--- a/Dbg/Hosting PowerShell in a Debugger.pptx
+++ b/Dbg/Hosting PowerShell in a Debugger.pptx
@@ -6,10 +6,10 @@
     <p:sldMasterId id="2147483809" r:id="rId2"/>
   </p:sldMasterIdLst>
   <p:notesMasterIdLst>
-    <p:notesMasterId r:id="rId19"/>
+    <p:notesMasterId r:id="rId20"/>
   </p:notesMasterIdLst>
   <p:handoutMasterIdLst>
-    <p:handoutMasterId r:id="rId20"/>
+    <p:handoutMasterId r:id="rId21"/>
   </p:handoutMasterIdLst>
   <p:sldIdLst>
     <p:sldId id="309" r:id="rId3"/>
@@ -28,6 +28,7 @@
     <p:sldId id="324" r:id="rId16"/>
     <p:sldId id="313" r:id="rId17"/>
     <p:sldId id="314" r:id="rId18"/>
+    <p:sldId id="325" r:id="rId19"/>
   </p:sldIdLst>
   <p:sldSz cx="9144000" cy="6858000" type="screen4x3"/>
   <p:notesSz cx="7099300" cy="10234613"/>
@@ -1651,6 +1652,20 @@
             </a:r>
           </a:p>
           <a:p>
+            <a:pPr marL="628650" lvl="1" indent="-171450">
+              <a:buFont typeface="Arial" panose="020B0604020202020204" pitchFamily="34" charset="0"/>
+              <a:buChar char="•"/>
+            </a:pPr>
+            <a:r>
+              <a:rPr lang="en-US" baseline="0" dirty="0" err="1"/>
+              <a:t>Xcopy</a:t>
+            </a:r>
+            <a:r>
+              <a:rPr lang="en-US" baseline="0" dirty="0"/>
+              <a:t> deployable</a:t>
+            </a:r>
+          </a:p>
+          <a:p>
             <a:endParaRPr lang="en-US" baseline="0" dirty="0"/>
           </a:p>
           <a:p>
@@ -1692,7 +1707,7 @@
             </a:pPr>
             <a:r>
               <a:rPr lang="en-US" baseline="0" dirty="0"/>
-              <a:t>But if you are here, you have understood how Powerful a command line interface can be</a:t>
+              <a:t>But if you are here, you have understood how powerful a command line interface can be, and the value of scripting</a:t>
             </a:r>
           </a:p>
           <a:p>
@@ -1745,8 +1760,13 @@
             </a:pPr>
             <a:r>
               <a:rPr lang="en-US" baseline="0" dirty="0"/>
-              <a:t>We will look more into this</a:t>
-            </a:r>
+              <a:t>Native exports  from a </a:t>
+            </a:r>
+            <a:r>
+              <a:rPr lang="en-US" baseline="0" dirty="0" err="1"/>
+              <a:t>dll</a:t>
+            </a:r>
+            <a:endParaRPr lang="en-US" baseline="0" dirty="0"/>
           </a:p>
           <a:p>
             <a:pPr marL="0" lvl="0" indent="0">
@@ -1755,31 +1775,13 @@
             </a:pPr>
             <a:r>
               <a:rPr lang="en-US" baseline="0" dirty="0"/>
-              <a:t>			</a:t>
-            </a:r>
-          </a:p>
-          <a:p>
-            <a:pPr marL="171450" lvl="0" indent="-171450">
-              <a:buFont typeface="Arial" panose="020B0604020202020204" pitchFamily="34" charset="0"/>
-              <a:buChar char="•"/>
-            </a:pPr>
-            <a:r>
-              <a:rPr lang="en-US" baseline="0" dirty="0"/>
-              <a:t>Scripting language</a:t>
-            </a:r>
-          </a:p>
-          <a:p>
-            <a:pPr marL="628650" lvl="1" indent="-171450">
-              <a:buFont typeface="Arial" panose="020B0604020202020204" pitchFamily="34" charset="0"/>
-              <a:buChar char="•"/>
-            </a:pPr>
-            <a:r>
-              <a:rPr lang="en-US" baseline="0" dirty="0"/>
-              <a:t>If it already has a scripting language, aren’t we done?</a:t>
-            </a:r>
-          </a:p>
-          <a:p>
-            <a:endParaRPr lang="sv-SE" dirty="0"/>
+              <a:t>		</a:t>
+            </a:r>
+            <a:r>
+              <a:rPr lang="en-US" baseline="0"/>
+              <a:t>	</a:t>
+            </a:r>
+            <a:endParaRPr lang="en-US" baseline="0" dirty="0"/>
           </a:p>
         </p:txBody>
       </p:sp>
@@ -7428,6 +7430,34 @@
             </a:r>
           </a:p>
           <a:p>
+            <a:pPr lvl="1"/>
+            <a:r>
+              <a:rPr lang="de-DE" dirty="0"/>
+              <a:t>A </a:t>
+            </a:r>
+            <a:r>
+              <a:rPr lang="de-DE" dirty="0" err="1"/>
+              <a:t>few</a:t>
+            </a:r>
+            <a:r>
+              <a:rPr lang="de-DE" dirty="0"/>
+              <a:t> </a:t>
+            </a:r>
+            <a:r>
+              <a:rPr lang="de-DE" dirty="0" err="1"/>
+              <a:t>exported</a:t>
+            </a:r>
+            <a:r>
+              <a:rPr lang="de-DE" dirty="0"/>
+              <a:t> </a:t>
+            </a:r>
+            <a:r>
+              <a:rPr lang="de-DE" dirty="0" err="1"/>
+              <a:t>functions</a:t>
+            </a:r>
+            <a:endParaRPr lang="de-DE" dirty="0"/>
+          </a:p>
+          <a:p>
             <a:r>
               <a:rPr lang="de-DE" dirty="0" err="1"/>
               <a:t>PowerShell</a:t>
@@ -7438,29 +7468,6 @@
             </a:r>
           </a:p>
           <a:p>
-            <a:r>
-              <a:rPr lang="de-DE" dirty="0"/>
-              <a:t>Threads</a:t>
-            </a:r>
-          </a:p>
-          <a:p>
-            <a:pPr lvl="1"/>
-            <a:r>
-              <a:rPr lang="de-DE" dirty="0"/>
-              <a:t>Can </a:t>
-            </a:r>
-            <a:r>
-              <a:rPr lang="de-DE" dirty="0" err="1"/>
-              <a:t>be</a:t>
-            </a:r>
-            <a:r>
-              <a:rPr lang="de-DE" dirty="0"/>
-              <a:t> a </a:t>
-            </a:r>
-            <a:r>
-              <a:rPr lang="de-DE" dirty="0" err="1"/>
-              <a:t>problem</a:t>
-            </a:r>
             <a:endParaRPr lang="de-DE" dirty="0"/>
           </a:p>
           <a:p>
@@ -8009,6 +8016,104 @@
     <p:extLst>
       <p:ext uri="{BB962C8B-B14F-4D97-AF65-F5344CB8AC3E}">
         <p14:creationId xmlns:p14="http://schemas.microsoft.com/office/powerpoint/2010/main" val="4184402693"/>
+      </p:ext>
+    </p:extLst>
+  </p:cSld>
+  <p:clrMapOvr>
+    <a:masterClrMapping/>
+  </p:clrMapOvr>
+  <mc:AlternateContent xmlns:mc="http://schemas.openxmlformats.org/markup-compatibility/2006" xmlns:p14="http://schemas.microsoft.com/office/powerpoint/2010/main">
+    <mc:Choice Requires="p14">
+      <p:transition spd="med" p14:dur="700">
+        <p:fade/>
+      </p:transition>
+    </mc:Choice>
+    <mc:Fallback xmlns="">
+      <p:transition spd="med">
+        <p:fade/>
+      </p:transition>
+    </mc:Fallback>
+  </mc:AlternateContent>
+</p:sld>
+</file>
+
+<file path=ppt/slides/slide17.xml><?xml version="1.0" encoding="utf-8"?>
+<p:sld xmlns:a="http://schemas.openxmlformats.org/drawingml/2006/main" xmlns:r="http://schemas.openxmlformats.org/officeDocument/2006/relationships" xmlns:p="http://schemas.openxmlformats.org/presentationml/2006/main">
+  <p:cSld>
+    <p:spTree>
+      <p:nvGrpSpPr>
+        <p:cNvPr id="1" name=""/>
+        <p:cNvGrpSpPr/>
+        <p:nvPr/>
+      </p:nvGrpSpPr>
+      <p:grpSpPr>
+        <a:xfrm>
+          <a:off x="0" y="0"/>
+          <a:ext cx="0" cy="0"/>
+          <a:chOff x="0" y="0"/>
+          <a:chExt cx="0" cy="0"/>
+        </a:xfrm>
+      </p:grpSpPr>
+      <p:sp>
+        <p:nvSpPr>
+          <p:cNvPr id="2" name="Inhaltsplatzhalter 1"/>
+          <p:cNvSpPr>
+            <a:spLocks noGrp="1"/>
+          </p:cNvSpPr>
+          <p:nvPr>
+            <p:ph idx="1"/>
+          </p:nvPr>
+        </p:nvSpPr>
+        <p:spPr/>
+        <p:txBody>
+          <a:bodyPr/>
+          <a:lstStyle/>
+          <a:p>
+            <a:r>
+              <a:rPr lang="de-DE" dirty="0"/>
+              <a:t>@</a:t>
+            </a:r>
+            <a:r>
+              <a:rPr lang="de-DE" dirty="0" err="1"/>
+              <a:t>StaffanGson</a:t>
+            </a:r>
+            <a:endParaRPr lang="de-DE" dirty="0"/>
+          </a:p>
+          <a:p>
+            <a:r>
+              <a:rPr lang="de-DE" dirty="0"/>
+              <a:t>https://github.com/powercode</a:t>
+            </a:r>
+          </a:p>
+        </p:txBody>
+      </p:sp>
+      <p:sp>
+        <p:nvSpPr>
+          <p:cNvPr id="3" name="Titel 2"/>
+          <p:cNvSpPr>
+            <a:spLocks noGrp="1"/>
+          </p:cNvSpPr>
+          <p:nvPr>
+            <p:ph type="title"/>
+          </p:nvPr>
+        </p:nvSpPr>
+        <p:spPr/>
+        <p:txBody>
+          <a:bodyPr/>
+          <a:lstStyle/>
+          <a:p>
+            <a:r>
+              <a:rPr lang="de-DE" dirty="0" err="1"/>
+              <a:t>About_Speaker</a:t>
+            </a:r>
+            <a:endParaRPr lang="de-DE" dirty="0"/>
+          </a:p>
+        </p:txBody>
+      </p:sp>
+    </p:spTree>
+    <p:extLst>
+      <p:ext uri="{BB962C8B-B14F-4D97-AF65-F5344CB8AC3E}">
+        <p14:creationId xmlns:p14="http://schemas.microsoft.com/office/powerpoint/2010/main" val="3955015072"/>
       </p:ext>
     </p:extLst>
   </p:cSld>
@@ -9808,6 +9913,23 @@
             </a:endParaRPr>
           </a:p>
           <a:p>
+            <a:r>
+              <a:rPr lang="en-US" sz="1800" dirty="0">
+                <a:effectLst/>
+              </a:rPr>
+              <a:t>Unmanaged Exports</a:t>
+            </a:r>
+          </a:p>
+          <a:p>
+            <a:pPr lvl="1"/>
+            <a:r>
+              <a:rPr lang="en-US" dirty="0"/>
+              <a:t>Robert </a:t>
+            </a:r>
+            <a:r>
+              <a:rPr lang="en-US" dirty="0" err="1"/>
+              <a:t>Giesecke</a:t>
+            </a:r>
             <a:endParaRPr lang="sv-SE" dirty="0"/>
           </a:p>
         </p:txBody>
@@ -10122,6 +10244,86 @@
                                         <a:srgbClr val="FF0000"/>
                                       </p:to>
                                     </p:animClr>
+                                  </p:childTnLst>
+                                </p:cTn>
+                              </p:par>
+                            </p:childTnLst>
+                          </p:cTn>
+                        </p:par>
+                      </p:childTnLst>
+                    </p:cTn>
+                  </p:par>
+                  <p:par>
+                    <p:cTn id="23" fill="hold">
+                      <p:stCondLst>
+                        <p:cond delay="indefinite"/>
+                      </p:stCondLst>
+                      <p:childTnLst>
+                        <p:par>
+                          <p:cTn id="24" fill="hold">
+                            <p:stCondLst>
+                              <p:cond delay="0"/>
+                            </p:stCondLst>
+                            <p:childTnLst>
+                              <p:par>
+                                <p:cTn id="25" presetID="1" presetClass="entr" presetSubtype="0" fill="hold" nodeType="clickEffect">
+                                  <p:stCondLst>
+                                    <p:cond delay="0"/>
+                                  </p:stCondLst>
+                                  <p:childTnLst>
+                                    <p:set>
+                                      <p:cBhvr>
+                                        <p:cTn id="26" dur="1" fill="hold">
+                                          <p:stCondLst>
+                                            <p:cond delay="0"/>
+                                          </p:stCondLst>
+                                        </p:cTn>
+                                        <p:tgtEl>
+                                          <p:spTgt spid="2">
+                                            <p:txEl>
+                                              <p:pRg st="10" end="10"/>
+                                            </p:txEl>
+                                          </p:spTgt>
+                                        </p:tgtEl>
+                                        <p:attrNameLst>
+                                          <p:attrName>style.visibility</p:attrName>
+                                        </p:attrNameLst>
+                                      </p:cBhvr>
+                                      <p:to>
+                                        <p:strVal val="visible"/>
+                                      </p:to>
+                                    </p:set>
+                                  </p:childTnLst>
+                                </p:cTn>
+                              </p:par>
+                              <p:par>
+                                <p:cTn id="27" presetID="1" presetClass="entr" presetSubtype="0" fill="hold" nodeType="withEffect">
+                                  <p:stCondLst>
+                                    <p:cond delay="0"/>
+                                  </p:stCondLst>
+                                  <p:childTnLst>
+                                    <p:set>
+                                      <p:cBhvr>
+                                        <p:cTn id="28" dur="1" fill="hold">
+                                          <p:stCondLst>
+                                            <p:cond delay="0"/>
+                                          </p:stCondLst>
+                                        </p:cTn>
+                                        <p:tgtEl>
+                                          <p:spTgt spid="2">
+                                            <p:txEl>
+                                              <p:pRg st="11" end="11"/>
+                                            </p:txEl>
+                                          </p:spTgt>
+                                        </p:tgtEl>
+                                        <p:attrNameLst>
+                                          <p:attrName>style.visibility</p:attrName>
+                                        </p:attrNameLst>
+                                      </p:cBhvr>
+                                      <p:to>
+                                        <p:strVal val="visible"/>
+                                      </p:to>
+                                    </p:set>
                                   </p:childTnLst>
                                 </p:cTn>
                               </p:par>

--- a/Dbg/Hosting PowerShell in a Debugger.pptx
+++ b/Dbg/Hosting PowerShell in a Debugger.pptx
@@ -6,29 +6,30 @@
     <p:sldMasterId id="2147483809" r:id="rId2"/>
   </p:sldMasterIdLst>
   <p:notesMasterIdLst>
-    <p:notesMasterId r:id="rId20"/>
+    <p:notesMasterId r:id="rId21"/>
   </p:notesMasterIdLst>
   <p:handoutMasterIdLst>
-    <p:handoutMasterId r:id="rId21"/>
+    <p:handoutMasterId r:id="rId22"/>
   </p:handoutMasterIdLst>
   <p:sldIdLst>
     <p:sldId id="309" r:id="rId3"/>
     <p:sldId id="305" r:id="rId4"/>
     <p:sldId id="281" r:id="rId5"/>
     <p:sldId id="316" r:id="rId6"/>
-    <p:sldId id="317" r:id="rId7"/>
-    <p:sldId id="311" r:id="rId8"/>
-    <p:sldId id="319" r:id="rId9"/>
-    <p:sldId id="320" r:id="rId10"/>
-    <p:sldId id="321" r:id="rId11"/>
-    <p:sldId id="322" r:id="rId12"/>
-    <p:sldId id="318" r:id="rId13"/>
-    <p:sldId id="323" r:id="rId14"/>
-    <p:sldId id="302" r:id="rId15"/>
-    <p:sldId id="324" r:id="rId16"/>
-    <p:sldId id="313" r:id="rId17"/>
-    <p:sldId id="314" r:id="rId18"/>
-    <p:sldId id="325" r:id="rId19"/>
+    <p:sldId id="326" r:id="rId7"/>
+    <p:sldId id="317" r:id="rId8"/>
+    <p:sldId id="311" r:id="rId9"/>
+    <p:sldId id="319" r:id="rId10"/>
+    <p:sldId id="320" r:id="rId11"/>
+    <p:sldId id="321" r:id="rId12"/>
+    <p:sldId id="322" r:id="rId13"/>
+    <p:sldId id="318" r:id="rId14"/>
+    <p:sldId id="323" r:id="rId15"/>
+    <p:sldId id="302" r:id="rId16"/>
+    <p:sldId id="324" r:id="rId17"/>
+    <p:sldId id="313" r:id="rId18"/>
+    <p:sldId id="314" r:id="rId19"/>
+    <p:sldId id="325" r:id="rId20"/>
   </p:sldIdLst>
   <p:sldSz cx="9144000" cy="6858000" type="screen4x3"/>
   <p:notesSz cx="7099300" cy="10234613"/>
@@ -1303,7 +1304,7 @@
               <a:pPr>
                 <a:defRPr/>
               </a:pPr>
-              <a:t>13</a:t>
+              <a:t>14</a:t>
             </a:fld>
             <a:endParaRPr lang="de-DE"/>
           </a:p>
@@ -1775,13 +1776,8 @@
             </a:pPr>
             <a:r>
               <a:rPr lang="en-US" baseline="0" dirty="0"/>
-              <a:t>		</a:t>
-            </a:r>
-            <a:r>
-              <a:rPr lang="en-US" baseline="0"/>
-              <a:t>	</a:t>
-            </a:r>
-            <a:endParaRPr lang="en-US" baseline="0" dirty="0"/>
+              <a:t>			</a:t>
+            </a:r>
           </a:p>
         </p:txBody>
       </p:sp>
@@ -1902,7 +1898,7 @@
               <a:pPr>
                 <a:defRPr/>
               </a:pPr>
-              <a:t>6</a:t>
+              <a:t>7</a:t>
             </a:fld>
             <a:endParaRPr lang="de-DE"/>
           </a:p>
@@ -2005,7 +2001,7 @@
               <a:pPr>
                 <a:defRPr/>
               </a:pPr>
-              <a:t>7</a:t>
+              <a:t>8</a:t>
             </a:fld>
             <a:endParaRPr lang="de-DE"/>
           </a:p>
@@ -2095,7 +2091,7 @@
               <a:pPr>
                 <a:defRPr/>
               </a:pPr>
-              <a:t>8</a:t>
+              <a:t>9</a:t>
             </a:fld>
             <a:endParaRPr lang="de-DE"/>
           </a:p>
@@ -2267,7 +2263,7 @@
               <a:pPr>
                 <a:defRPr/>
               </a:pPr>
-              <a:t>11</a:t>
+              <a:t>12</a:t>
             </a:fld>
             <a:endParaRPr lang="de-DE"/>
           </a:p>
@@ -2357,7 +2353,7 @@
               <a:pPr>
                 <a:defRPr/>
               </a:pPr>
-              <a:t>12</a:t>
+              <a:t>13</a:t>
             </a:fld>
             <a:endParaRPr lang="de-DE"/>
           </a:p>
@@ -5534,6 +5530,649 @@
 </file>
 
 <file path=ppt/slides/slide10.xml><?xml version="1.0" encoding="utf-8"?>
+<p:sld xmlns:a="http://schemas.openxmlformats.org/drawingml/2006/main" xmlns:r="http://schemas.openxmlformats.org/officeDocument/2006/relationships" xmlns:p="http://schemas.openxmlformats.org/presentationml/2006/main">
+  <p:cSld>
+    <p:spTree>
+      <p:nvGrpSpPr>
+        <p:cNvPr id="1" name=""/>
+        <p:cNvGrpSpPr/>
+        <p:nvPr/>
+      </p:nvGrpSpPr>
+      <p:grpSpPr>
+        <a:xfrm>
+          <a:off x="0" y="0"/>
+          <a:ext cx="0" cy="0"/>
+          <a:chOff x="0" y="0"/>
+          <a:chExt cx="0" cy="0"/>
+        </a:xfrm>
+      </p:grpSpPr>
+      <p:sp>
+        <p:nvSpPr>
+          <p:cNvPr id="4" name="Rektangel 3"/>
+          <p:cNvSpPr/>
+          <p:nvPr/>
+        </p:nvSpPr>
+        <p:spPr>
+          <a:xfrm>
+            <a:off x="252006" y="660539"/>
+            <a:ext cx="8630338" cy="4760298"/>
+          </a:xfrm>
+          <a:prstGeom prst="rect">
+            <a:avLst/>
+          </a:prstGeom>
+        </p:spPr>
+        <p:style>
+          <a:lnRef idx="1">
+            <a:schemeClr val="accent4"/>
+          </a:lnRef>
+          <a:fillRef idx="2">
+            <a:schemeClr val="accent4"/>
+          </a:fillRef>
+          <a:effectRef idx="1">
+            <a:schemeClr val="accent4"/>
+          </a:effectRef>
+          <a:fontRef idx="minor">
+            <a:schemeClr val="dk1"/>
+          </a:fontRef>
+        </p:style>
+        <p:txBody>
+          <a:bodyPr rtlCol="0" anchor="ctr"/>
+          <a:lstStyle/>
+          <a:p>
+            <a:pPr algn="ctr"/>
+            <a:endParaRPr lang="sv-SE"/>
+          </a:p>
+        </p:txBody>
+      </p:sp>
+      <p:sp>
+        <p:nvSpPr>
+          <p:cNvPr id="5" name="Rektangel 4"/>
+          <p:cNvSpPr/>
+          <p:nvPr/>
+        </p:nvSpPr>
+        <p:spPr>
+          <a:xfrm>
+            <a:off x="252006" y="5479828"/>
+            <a:ext cx="8630338" cy="1162484"/>
+          </a:xfrm>
+          <a:prstGeom prst="rect">
+            <a:avLst/>
+          </a:prstGeom>
+        </p:spPr>
+        <p:style>
+          <a:lnRef idx="2">
+            <a:schemeClr val="accent1">
+              <a:shade val="50000"/>
+            </a:schemeClr>
+          </a:lnRef>
+          <a:fillRef idx="1">
+            <a:schemeClr val="accent1"/>
+          </a:fillRef>
+          <a:effectRef idx="0">
+            <a:schemeClr val="accent1"/>
+          </a:effectRef>
+          <a:fontRef idx="minor">
+            <a:schemeClr val="lt1"/>
+          </a:fontRef>
+        </p:style>
+        <p:txBody>
+          <a:bodyPr rtlCol="0" anchor="ctr"/>
+          <a:lstStyle/>
+          <a:p>
+            <a:pPr algn="ctr"/>
+            <a:r>
+              <a:rPr lang="en-US" dirty="0"/>
+              <a:t>Native Debugger (dbgeng.dll)</a:t>
+            </a:r>
+            <a:endParaRPr lang="sv-SE" dirty="0"/>
+          </a:p>
+        </p:txBody>
+      </p:sp>
+      <p:sp>
+        <p:nvSpPr>
+          <p:cNvPr id="6" name="Rektangel 5"/>
+          <p:cNvSpPr/>
+          <p:nvPr/>
+        </p:nvSpPr>
+        <p:spPr>
+          <a:xfrm>
+            <a:off x="467544" y="793041"/>
+            <a:ext cx="8266509" cy="4508167"/>
+          </a:xfrm>
+          <a:prstGeom prst="rect">
+            <a:avLst/>
+          </a:prstGeom>
+          <a:solidFill>
+            <a:srgbClr val="0070C0"/>
+          </a:solidFill>
+          <a:ln>
+            <a:solidFill>
+              <a:srgbClr val="002060"/>
+            </a:solidFill>
+          </a:ln>
+        </p:spPr>
+        <p:style>
+          <a:lnRef idx="2">
+            <a:schemeClr val="accent1">
+              <a:shade val="50000"/>
+            </a:schemeClr>
+          </a:lnRef>
+          <a:fillRef idx="1">
+            <a:schemeClr val="accent1"/>
+          </a:fillRef>
+          <a:effectRef idx="0">
+            <a:schemeClr val="accent1"/>
+          </a:effectRef>
+          <a:fontRef idx="minor">
+            <a:schemeClr val="lt1"/>
+          </a:fontRef>
+        </p:style>
+        <p:txBody>
+          <a:bodyPr rtlCol="0" anchor="ctr"/>
+          <a:lstStyle/>
+          <a:p>
+            <a:pPr algn="ctr"/>
+            <a:endParaRPr lang="sv-SE"/>
+          </a:p>
+        </p:txBody>
+      </p:sp>
+      <p:sp>
+        <p:nvSpPr>
+          <p:cNvPr id="7" name="Rektangel 6"/>
+          <p:cNvSpPr/>
+          <p:nvPr/>
+        </p:nvSpPr>
+        <p:spPr>
+          <a:xfrm>
+            <a:off x="566769" y="1384263"/>
+            <a:ext cx="4303986" cy="400312"/>
+          </a:xfrm>
+          <a:prstGeom prst="rect">
+            <a:avLst/>
+          </a:prstGeom>
+          <a:solidFill>
+            <a:srgbClr val="0070C0"/>
+          </a:solidFill>
+          <a:ln>
+            <a:solidFill>
+              <a:srgbClr val="002060"/>
+            </a:solidFill>
+          </a:ln>
+        </p:spPr>
+        <p:style>
+          <a:lnRef idx="2">
+            <a:schemeClr val="accent1">
+              <a:shade val="50000"/>
+            </a:schemeClr>
+          </a:lnRef>
+          <a:fillRef idx="1">
+            <a:schemeClr val="accent1"/>
+          </a:fillRef>
+          <a:effectRef idx="0">
+            <a:schemeClr val="accent1"/>
+          </a:effectRef>
+          <a:fontRef idx="minor">
+            <a:schemeClr val="lt1"/>
+          </a:fontRef>
+        </p:style>
+        <p:txBody>
+          <a:bodyPr rtlCol="0" anchor="ctr"/>
+          <a:lstStyle/>
+          <a:p>
+            <a:pPr algn="ctr"/>
+            <a:r>
+              <a:rPr lang="en-US" sz="1800" dirty="0" err="1"/>
+              <a:t>DbgPSHost</a:t>
+            </a:r>
+            <a:endParaRPr lang="sv-SE" sz="1800" dirty="0"/>
+          </a:p>
+        </p:txBody>
+      </p:sp>
+      <p:sp>
+        <p:nvSpPr>
+          <p:cNvPr id="8" name="Rektangel 7"/>
+          <p:cNvSpPr/>
+          <p:nvPr/>
+        </p:nvSpPr>
+        <p:spPr>
+          <a:xfrm>
+            <a:off x="601088" y="2184758"/>
+            <a:ext cx="2841281" cy="1881089"/>
+          </a:xfrm>
+          <a:prstGeom prst="rect">
+            <a:avLst/>
+          </a:prstGeom>
+          <a:solidFill>
+            <a:srgbClr val="002060"/>
+          </a:solidFill>
+        </p:spPr>
+        <p:style>
+          <a:lnRef idx="2">
+            <a:schemeClr val="accent1">
+              <a:shade val="50000"/>
+            </a:schemeClr>
+          </a:lnRef>
+          <a:fillRef idx="1">
+            <a:schemeClr val="accent1"/>
+          </a:fillRef>
+          <a:effectRef idx="0">
+            <a:schemeClr val="accent1"/>
+          </a:effectRef>
+          <a:fontRef idx="minor">
+            <a:schemeClr val="lt1"/>
+          </a:fontRef>
+        </p:style>
+        <p:txBody>
+          <a:bodyPr rtlCol="0" anchor="ctr"/>
+          <a:lstStyle/>
+          <a:p>
+            <a:pPr algn="ctr"/>
+            <a:r>
+              <a:rPr lang="en-US" sz="1800" dirty="0" err="1"/>
+              <a:t>System.Management</a:t>
+            </a:r>
+            <a:r>
+              <a:rPr lang="en-US" sz="1800" dirty="0"/>
+              <a:t>.</a:t>
+            </a:r>
+            <a:br>
+              <a:rPr lang="en-US" sz="1800" dirty="0"/>
+            </a:br>
+            <a:r>
+              <a:rPr lang="en-US" sz="1800" dirty="0"/>
+              <a:t>Automation</a:t>
+            </a:r>
+            <a:endParaRPr lang="sv-SE" sz="1800" dirty="0"/>
+          </a:p>
+        </p:txBody>
+      </p:sp>
+      <p:sp>
+        <p:nvSpPr>
+          <p:cNvPr id="9" name="Rektangel 8"/>
+          <p:cNvSpPr/>
+          <p:nvPr/>
+        </p:nvSpPr>
+        <p:spPr>
+          <a:xfrm>
+            <a:off x="3596315" y="2743672"/>
+            <a:ext cx="4896549" cy="303533"/>
+          </a:xfrm>
+          <a:prstGeom prst="rect">
+            <a:avLst/>
+          </a:prstGeom>
+          <a:solidFill>
+            <a:srgbClr val="0070C0"/>
+          </a:solidFill>
+          <a:ln>
+            <a:solidFill>
+              <a:srgbClr val="002060"/>
+            </a:solidFill>
+          </a:ln>
+        </p:spPr>
+        <p:style>
+          <a:lnRef idx="2">
+            <a:schemeClr val="accent1">
+              <a:shade val="50000"/>
+            </a:schemeClr>
+          </a:lnRef>
+          <a:fillRef idx="1">
+            <a:schemeClr val="accent1"/>
+          </a:fillRef>
+          <a:effectRef idx="0">
+            <a:schemeClr val="accent1"/>
+          </a:effectRef>
+          <a:fontRef idx="minor">
+            <a:schemeClr val="lt1"/>
+          </a:fontRef>
+        </p:style>
+        <p:txBody>
+          <a:bodyPr rtlCol="0" anchor="ctr"/>
+          <a:lstStyle/>
+          <a:p>
+            <a:pPr algn="ctr"/>
+            <a:r>
+              <a:rPr lang="en-US" sz="1800" dirty="0" err="1"/>
+              <a:t>DebuggerProxy</a:t>
+            </a:r>
+            <a:r>
+              <a:rPr lang="en-US" sz="1800" dirty="0"/>
+              <a:t> : </a:t>
+            </a:r>
+            <a:r>
+              <a:rPr lang="en-US" sz="1800" dirty="0" err="1"/>
+              <a:t>IDebugger</a:t>
+            </a:r>
+            <a:endParaRPr lang="sv-SE" sz="1800" dirty="0"/>
+          </a:p>
+        </p:txBody>
+      </p:sp>
+      <p:sp>
+        <p:nvSpPr>
+          <p:cNvPr id="10" name="Rektangel 9"/>
+          <p:cNvSpPr/>
+          <p:nvPr/>
+        </p:nvSpPr>
+        <p:spPr>
+          <a:xfrm>
+            <a:off x="3596315" y="3221572"/>
+            <a:ext cx="4896548" cy="404293"/>
+          </a:xfrm>
+          <a:prstGeom prst="rect">
+            <a:avLst/>
+          </a:prstGeom>
+          <a:solidFill>
+            <a:srgbClr val="0070C0"/>
+          </a:solidFill>
+          <a:ln>
+            <a:solidFill>
+              <a:srgbClr val="002060"/>
+            </a:solidFill>
+          </a:ln>
+        </p:spPr>
+        <p:style>
+          <a:lnRef idx="2">
+            <a:schemeClr val="accent1">
+              <a:shade val="50000"/>
+            </a:schemeClr>
+          </a:lnRef>
+          <a:fillRef idx="1">
+            <a:schemeClr val="accent1"/>
+          </a:fillRef>
+          <a:effectRef idx="0">
+            <a:schemeClr val="accent1"/>
+          </a:effectRef>
+          <a:fontRef idx="minor">
+            <a:schemeClr val="lt1"/>
+          </a:fontRef>
+        </p:style>
+        <p:txBody>
+          <a:bodyPr rtlCol="0" anchor="ctr"/>
+          <a:lstStyle/>
+          <a:p>
+            <a:pPr algn="ctr"/>
+            <a:r>
+              <a:rPr lang="en-US" sz="1800" dirty="0" err="1"/>
+              <a:t>DebuggerDispatcher</a:t>
+            </a:r>
+            <a:endParaRPr lang="sv-SE" sz="1800" dirty="0"/>
+          </a:p>
+        </p:txBody>
+      </p:sp>
+      <p:sp>
+        <p:nvSpPr>
+          <p:cNvPr id="11" name="Rektangel 10"/>
+          <p:cNvSpPr/>
+          <p:nvPr/>
+        </p:nvSpPr>
+        <p:spPr>
+          <a:xfrm>
+            <a:off x="3596315" y="3837084"/>
+            <a:ext cx="4896544" cy="979723"/>
+          </a:xfrm>
+          <a:prstGeom prst="rect">
+            <a:avLst/>
+          </a:prstGeom>
+          <a:solidFill>
+            <a:srgbClr val="0070C0"/>
+          </a:solidFill>
+          <a:ln>
+            <a:solidFill>
+              <a:srgbClr val="002060"/>
+            </a:solidFill>
+          </a:ln>
+        </p:spPr>
+        <p:style>
+          <a:lnRef idx="2">
+            <a:schemeClr val="accent1">
+              <a:shade val="50000"/>
+            </a:schemeClr>
+          </a:lnRef>
+          <a:fillRef idx="1">
+            <a:schemeClr val="accent1"/>
+          </a:fillRef>
+          <a:effectRef idx="0">
+            <a:schemeClr val="accent1"/>
+          </a:effectRef>
+          <a:fontRef idx="minor">
+            <a:schemeClr val="lt1"/>
+          </a:fontRef>
+        </p:style>
+        <p:txBody>
+          <a:bodyPr rtlCol="0" anchor="ctr"/>
+          <a:lstStyle/>
+          <a:p>
+            <a:pPr algn="ctr"/>
+            <a:r>
+              <a:rPr lang="en-US" sz="1800" dirty="0"/>
+              <a:t>Debugger : </a:t>
+            </a:r>
+            <a:r>
+              <a:rPr lang="en-US" sz="1800" dirty="0" err="1"/>
+              <a:t>IDebugger</a:t>
+            </a:r>
+            <a:br>
+              <a:rPr lang="en-US" sz="1800" dirty="0"/>
+            </a:br>
+            <a:r>
+              <a:rPr lang="en-US" sz="1800" dirty="0"/>
+              <a:t>Symbols/Threads/Breakpoints/</a:t>
+            </a:r>
+            <a:br>
+              <a:rPr lang="en-US" sz="1800" dirty="0"/>
+            </a:br>
+            <a:r>
+              <a:rPr lang="en-US" sz="1800" dirty="0"/>
+              <a:t>Modules/Variables</a:t>
+            </a:r>
+            <a:endParaRPr lang="sv-SE" sz="1800" dirty="0"/>
+          </a:p>
+        </p:txBody>
+      </p:sp>
+      <p:sp>
+        <p:nvSpPr>
+          <p:cNvPr id="12" name="Rektangel 11"/>
+          <p:cNvSpPr/>
+          <p:nvPr/>
+        </p:nvSpPr>
+        <p:spPr>
+          <a:xfrm>
+            <a:off x="3590661" y="2264549"/>
+            <a:ext cx="4896550" cy="323876"/>
+          </a:xfrm>
+          <a:prstGeom prst="rect">
+            <a:avLst/>
+          </a:prstGeom>
+          <a:solidFill>
+            <a:srgbClr val="0070C0"/>
+          </a:solidFill>
+          <a:ln>
+            <a:solidFill>
+              <a:srgbClr val="002060"/>
+            </a:solidFill>
+          </a:ln>
+        </p:spPr>
+        <p:style>
+          <a:lnRef idx="2">
+            <a:schemeClr val="accent1">
+              <a:shade val="50000"/>
+            </a:schemeClr>
+          </a:lnRef>
+          <a:fillRef idx="1">
+            <a:schemeClr val="accent1"/>
+          </a:fillRef>
+          <a:effectRef idx="0">
+            <a:schemeClr val="accent1"/>
+          </a:effectRef>
+          <a:fontRef idx="minor">
+            <a:schemeClr val="lt1"/>
+          </a:fontRef>
+        </p:style>
+        <p:txBody>
+          <a:bodyPr rtlCol="0" anchor="ctr"/>
+          <a:lstStyle/>
+          <a:p>
+            <a:pPr algn="ctr"/>
+            <a:r>
+              <a:rPr lang="en-US" sz="1800" dirty="0" err="1"/>
+              <a:t>IDebugger</a:t>
+            </a:r>
+            <a:endParaRPr lang="sv-SE" sz="1800" dirty="0"/>
+          </a:p>
+        </p:txBody>
+      </p:sp>
+      <p:sp>
+        <p:nvSpPr>
+          <p:cNvPr id="13" name="Frihandsfigur 12"/>
+          <p:cNvSpPr/>
+          <p:nvPr/>
+        </p:nvSpPr>
+        <p:spPr>
+          <a:xfrm>
+            <a:off x="566769" y="959171"/>
+            <a:ext cx="8104023" cy="820977"/>
+          </a:xfrm>
+          <a:custGeom>
+            <a:avLst/>
+            <a:gdLst>
+              <a:gd name="connsiteX0" fmla="*/ 0 w 11067908"/>
+              <a:gd name="connsiteY0" fmla="*/ 0 h 1121233"/>
+              <a:gd name="connsiteX1" fmla="*/ 5977311 w 11067908"/>
+              <a:gd name="connsiteY1" fmla="*/ 0 h 1121233"/>
+              <a:gd name="connsiteX2" fmla="*/ 6322172 w 11067908"/>
+              <a:gd name="connsiteY2" fmla="*/ 0 h 1121233"/>
+              <a:gd name="connsiteX3" fmla="*/ 11067908 w 11067908"/>
+              <a:gd name="connsiteY3" fmla="*/ 0 h 1121233"/>
+              <a:gd name="connsiteX4" fmla="*/ 11067908 w 11067908"/>
+              <a:gd name="connsiteY4" fmla="*/ 1121233 h 1121233"/>
+              <a:gd name="connsiteX5" fmla="*/ 5977311 w 11067908"/>
+              <a:gd name="connsiteY5" fmla="*/ 1121233 h 1121233"/>
+              <a:gd name="connsiteX6" fmla="*/ 5977311 w 11067908"/>
+              <a:gd name="connsiteY6" fmla="*/ 457200 h 1121233"/>
+              <a:gd name="connsiteX7" fmla="*/ 0 w 11067908"/>
+              <a:gd name="connsiteY7" fmla="*/ 457200 h 1121233"/>
+            </a:gdLst>
+            <a:ahLst/>
+            <a:cxnLst>
+              <a:cxn ang="0">
+                <a:pos x="connsiteX0" y="connsiteY0"/>
+              </a:cxn>
+              <a:cxn ang="0">
+                <a:pos x="connsiteX1" y="connsiteY1"/>
+              </a:cxn>
+              <a:cxn ang="0">
+                <a:pos x="connsiteX2" y="connsiteY2"/>
+              </a:cxn>
+              <a:cxn ang="0">
+                <a:pos x="connsiteX3" y="connsiteY3"/>
+              </a:cxn>
+              <a:cxn ang="0">
+                <a:pos x="connsiteX4" y="connsiteY4"/>
+              </a:cxn>
+              <a:cxn ang="0">
+                <a:pos x="connsiteX5" y="connsiteY5"/>
+              </a:cxn>
+              <a:cxn ang="0">
+                <a:pos x="connsiteX6" y="connsiteY6"/>
+              </a:cxn>
+              <a:cxn ang="0">
+                <a:pos x="connsiteX7" y="connsiteY7"/>
+              </a:cxn>
+            </a:cxnLst>
+            <a:rect l="l" t="t" r="r" b="b"/>
+            <a:pathLst>
+              <a:path w="11067908" h="1121233">
+                <a:moveTo>
+                  <a:pt x="0" y="0"/>
+                </a:moveTo>
+                <a:lnTo>
+                  <a:pt x="5977311" y="0"/>
+                </a:lnTo>
+                <a:lnTo>
+                  <a:pt x="6322172" y="0"/>
+                </a:lnTo>
+                <a:lnTo>
+                  <a:pt x="11067908" y="0"/>
+                </a:lnTo>
+                <a:lnTo>
+                  <a:pt x="11067908" y="1121233"/>
+                </a:lnTo>
+                <a:lnTo>
+                  <a:pt x="5977311" y="1121233"/>
+                </a:lnTo>
+                <a:lnTo>
+                  <a:pt x="5977311" y="457200"/>
+                </a:lnTo>
+                <a:lnTo>
+                  <a:pt x="0" y="457200"/>
+                </a:lnTo>
+                <a:close/>
+              </a:path>
+            </a:pathLst>
+          </a:custGeom>
+          <a:solidFill>
+            <a:srgbClr val="0070C0"/>
+          </a:solidFill>
+          <a:ln>
+            <a:solidFill>
+              <a:srgbClr val="002060"/>
+            </a:solidFill>
+          </a:ln>
+        </p:spPr>
+        <p:style>
+          <a:lnRef idx="2">
+            <a:schemeClr val="accent1">
+              <a:shade val="50000"/>
+            </a:schemeClr>
+          </a:lnRef>
+          <a:fillRef idx="1">
+            <a:schemeClr val="accent1"/>
+          </a:fillRef>
+          <a:effectRef idx="0">
+            <a:schemeClr val="accent1"/>
+          </a:effectRef>
+          <a:fontRef idx="minor">
+            <a:schemeClr val="lt1"/>
+          </a:fontRef>
+        </p:style>
+        <p:txBody>
+          <a:bodyPr rtlCol="0" anchor="t"/>
+          <a:lstStyle/>
+          <a:p>
+            <a:pPr algn="ctr"/>
+            <a:r>
+              <a:rPr lang="sv-SE" sz="1800" dirty="0" err="1"/>
+              <a:t>DbgCmdlets</a:t>
+            </a:r>
+            <a:endParaRPr lang="sv-SE" sz="1800" dirty="0"/>
+          </a:p>
+        </p:txBody>
+      </p:sp>
+    </p:spTree>
+    <p:extLst>
+      <p:ext uri="{BB962C8B-B14F-4D97-AF65-F5344CB8AC3E}">
+        <p14:creationId xmlns:p14="http://schemas.microsoft.com/office/powerpoint/2010/main" val="1768496240"/>
+      </p:ext>
+    </p:extLst>
+  </p:cSld>
+  <p:clrMapOvr>
+    <a:masterClrMapping/>
+  </p:clrMapOvr>
+  <mc:AlternateContent xmlns:mc="http://schemas.openxmlformats.org/markup-compatibility/2006" xmlns:p14="http://schemas.microsoft.com/office/powerpoint/2010/main">
+    <mc:Choice Requires="p14">
+      <p:transition spd="slow" p14:dur="1300">
+        <p14:pan dir="u"/>
+      </p:transition>
+    </mc:Choice>
+    <mc:Fallback xmlns="">
+      <p:transition spd="slow">
+        <p:fade/>
+      </p:transition>
+    </mc:Fallback>
+  </mc:AlternateContent>
+</p:sld>
+</file>
+
+<file path=ppt/slides/slide11.xml><?xml version="1.0" encoding="utf-8"?>
 <p:sld xmlns:a="http://schemas.openxmlformats.org/drawingml/2006/main" xmlns:r="http://schemas.openxmlformats.org/officeDocument/2006/relationships" xmlns:p="http://schemas.openxmlformats.org/presentationml/2006/main">
   <p:cSld>
     <p:spTree>
@@ -7091,7 +7730,7 @@
 </p:sld>
 </file>
 
-<file path=ppt/slides/slide11.xml><?xml version="1.0" encoding="utf-8"?>
+<file path=ppt/slides/slide12.xml><?xml version="1.0" encoding="utf-8"?>
 <p:sld xmlns:a="http://schemas.openxmlformats.org/drawingml/2006/main" xmlns:r="http://schemas.openxmlformats.org/officeDocument/2006/relationships" xmlns:p="http://schemas.openxmlformats.org/presentationml/2006/main">
   <p:cSld>
     <p:spTree>
@@ -7217,130 +7856,6 @@
     <p:extLst>
       <p:ext uri="{BB962C8B-B14F-4D97-AF65-F5344CB8AC3E}">
         <p14:creationId xmlns:p14="http://schemas.microsoft.com/office/powerpoint/2010/main" val="4249110698"/>
-      </p:ext>
-    </p:extLst>
-  </p:cSld>
-  <p:clrMapOvr>
-    <a:masterClrMapping/>
-  </p:clrMapOvr>
-  <mc:AlternateContent xmlns:mc="http://schemas.openxmlformats.org/markup-compatibility/2006" xmlns:p14="http://schemas.microsoft.com/office/powerpoint/2010/main">
-    <mc:Choice Requires="p14">
-      <p:transition spd="slow" p14:dur="1300">
-        <p14:pan dir="u"/>
-      </p:transition>
-    </mc:Choice>
-    <mc:Fallback xmlns="">
-      <p:transition spd="slow">
-        <p:fade/>
-      </p:transition>
-    </mc:Fallback>
-  </mc:AlternateContent>
-</p:sld>
-</file>
-
-<file path=ppt/slides/slide12.xml><?xml version="1.0" encoding="utf-8"?>
-<p:sld xmlns:a="http://schemas.openxmlformats.org/drawingml/2006/main" xmlns:r="http://schemas.openxmlformats.org/officeDocument/2006/relationships" xmlns:p="http://schemas.openxmlformats.org/presentationml/2006/main">
-  <p:cSld>
-    <p:spTree>
-      <p:nvGrpSpPr>
-        <p:cNvPr id="1" name=""/>
-        <p:cNvGrpSpPr/>
-        <p:nvPr/>
-      </p:nvGrpSpPr>
-      <p:grpSpPr>
-        <a:xfrm>
-          <a:off x="0" y="0"/>
-          <a:ext cx="0" cy="0"/>
-          <a:chOff x="0" y="0"/>
-          <a:chExt cx="0" cy="0"/>
-        </a:xfrm>
-      </p:grpSpPr>
-      <p:sp>
-        <p:nvSpPr>
-          <p:cNvPr id="2" name="Platshållare för innehåll 1"/>
-          <p:cNvSpPr>
-            <a:spLocks noGrp="1"/>
-          </p:cNvSpPr>
-          <p:nvPr>
-            <p:ph idx="1"/>
-          </p:nvPr>
-        </p:nvSpPr>
-        <p:spPr/>
-        <p:txBody>
-          <a:bodyPr/>
-          <a:lstStyle/>
-          <a:p>
-            <a:r>
-              <a:rPr lang="en-US" dirty="0"/>
-              <a:t>Extension</a:t>
-            </a:r>
-          </a:p>
-          <a:p>
-            <a:r>
-              <a:rPr lang="en-US" dirty="0"/>
-              <a:t>Session</a:t>
-            </a:r>
-          </a:p>
-          <a:p>
-            <a:r>
-              <a:rPr lang="en-US" dirty="0"/>
-              <a:t>Cmdlets</a:t>
-            </a:r>
-          </a:p>
-          <a:p>
-            <a:r>
-              <a:rPr lang="en-US" dirty="0"/>
-              <a:t>Proxy/Dispatcher</a:t>
-            </a:r>
-          </a:p>
-          <a:p>
-            <a:r>
-              <a:rPr lang="en-US" dirty="0"/>
-              <a:t>Debugger</a:t>
-            </a:r>
-          </a:p>
-          <a:p>
-            <a:r>
-              <a:rPr lang="en-US" dirty="0"/>
-              <a:t>Host</a:t>
-            </a:r>
-          </a:p>
-          <a:p>
-            <a:endParaRPr lang="en-US" dirty="0"/>
-          </a:p>
-        </p:txBody>
-      </p:sp>
-      <p:sp>
-        <p:nvSpPr>
-          <p:cNvPr id="3" name="Rubrik 2"/>
-          <p:cNvSpPr>
-            <a:spLocks noGrp="1"/>
-          </p:cNvSpPr>
-          <p:nvPr>
-            <p:ph type="title"/>
-          </p:nvPr>
-        </p:nvSpPr>
-        <p:spPr/>
-        <p:txBody>
-          <a:bodyPr/>
-          <a:lstStyle/>
-          <a:p>
-            <a:r>
-              <a:rPr lang="en-US" dirty="0" err="1"/>
-              <a:t>PSExt</a:t>
-            </a:r>
-            <a:r>
-              <a:rPr lang="en-US" dirty="0"/>
-              <a:t> – The Source</a:t>
-            </a:r>
-            <a:endParaRPr lang="sv-SE" dirty="0"/>
-          </a:p>
-        </p:txBody>
-      </p:sp>
-    </p:spTree>
-    <p:extLst>
-      <p:ext uri="{BB962C8B-B14F-4D97-AF65-F5344CB8AC3E}">
-        <p14:creationId xmlns:p14="http://schemas.microsoft.com/office/powerpoint/2010/main" val="2472732632"/>
       </p:ext>
     </p:extLst>
   </p:cSld>
@@ -7381,6 +7896,130 @@
       </p:grpSpPr>
       <p:sp>
         <p:nvSpPr>
+          <p:cNvPr id="2" name="Platshållare för innehåll 1"/>
+          <p:cNvSpPr>
+            <a:spLocks noGrp="1"/>
+          </p:cNvSpPr>
+          <p:nvPr>
+            <p:ph idx="1"/>
+          </p:nvPr>
+        </p:nvSpPr>
+        <p:spPr/>
+        <p:txBody>
+          <a:bodyPr/>
+          <a:lstStyle/>
+          <a:p>
+            <a:r>
+              <a:rPr lang="en-US" dirty="0"/>
+              <a:t>Extension</a:t>
+            </a:r>
+          </a:p>
+          <a:p>
+            <a:r>
+              <a:rPr lang="en-US" dirty="0"/>
+              <a:t>Session</a:t>
+            </a:r>
+          </a:p>
+          <a:p>
+            <a:r>
+              <a:rPr lang="en-US" dirty="0"/>
+              <a:t>Cmdlets</a:t>
+            </a:r>
+          </a:p>
+          <a:p>
+            <a:r>
+              <a:rPr lang="en-US" dirty="0"/>
+              <a:t>Proxy/Dispatcher</a:t>
+            </a:r>
+          </a:p>
+          <a:p>
+            <a:r>
+              <a:rPr lang="en-US" dirty="0"/>
+              <a:t>Debugger</a:t>
+            </a:r>
+          </a:p>
+          <a:p>
+            <a:r>
+              <a:rPr lang="en-US" dirty="0"/>
+              <a:t>Host</a:t>
+            </a:r>
+          </a:p>
+          <a:p>
+            <a:endParaRPr lang="en-US" dirty="0"/>
+          </a:p>
+        </p:txBody>
+      </p:sp>
+      <p:sp>
+        <p:nvSpPr>
+          <p:cNvPr id="3" name="Rubrik 2"/>
+          <p:cNvSpPr>
+            <a:spLocks noGrp="1"/>
+          </p:cNvSpPr>
+          <p:nvPr>
+            <p:ph type="title"/>
+          </p:nvPr>
+        </p:nvSpPr>
+        <p:spPr/>
+        <p:txBody>
+          <a:bodyPr/>
+          <a:lstStyle/>
+          <a:p>
+            <a:r>
+              <a:rPr lang="en-US" dirty="0" err="1"/>
+              <a:t>PSExt</a:t>
+            </a:r>
+            <a:r>
+              <a:rPr lang="en-US" dirty="0"/>
+              <a:t> – The Source</a:t>
+            </a:r>
+            <a:endParaRPr lang="sv-SE" dirty="0"/>
+          </a:p>
+        </p:txBody>
+      </p:sp>
+    </p:spTree>
+    <p:extLst>
+      <p:ext uri="{BB962C8B-B14F-4D97-AF65-F5344CB8AC3E}">
+        <p14:creationId xmlns:p14="http://schemas.microsoft.com/office/powerpoint/2010/main" val="2472732632"/>
+      </p:ext>
+    </p:extLst>
+  </p:cSld>
+  <p:clrMapOvr>
+    <a:masterClrMapping/>
+  </p:clrMapOvr>
+  <mc:AlternateContent xmlns:mc="http://schemas.openxmlformats.org/markup-compatibility/2006" xmlns:p14="http://schemas.microsoft.com/office/powerpoint/2010/main">
+    <mc:Choice Requires="p14">
+      <p:transition spd="slow" p14:dur="1300">
+        <p14:pan dir="u"/>
+      </p:transition>
+    </mc:Choice>
+    <mc:Fallback xmlns="">
+      <p:transition spd="slow">
+        <p:fade/>
+      </p:transition>
+    </mc:Fallback>
+  </mc:AlternateContent>
+</p:sld>
+</file>
+
+<file path=ppt/slides/slide14.xml><?xml version="1.0" encoding="utf-8"?>
+<p:sld xmlns:a="http://schemas.openxmlformats.org/drawingml/2006/main" xmlns:r="http://schemas.openxmlformats.org/officeDocument/2006/relationships" xmlns:p="http://schemas.openxmlformats.org/presentationml/2006/main">
+  <p:cSld>
+    <p:spTree>
+      <p:nvGrpSpPr>
+        <p:cNvPr id="1" name=""/>
+        <p:cNvGrpSpPr/>
+        <p:nvPr/>
+      </p:nvGrpSpPr>
+      <p:grpSpPr>
+        <a:xfrm>
+          <a:off x="0" y="0"/>
+          <a:ext cx="0" cy="0"/>
+          <a:chOff x="0" y="0"/>
+          <a:chExt cx="0" cy="0"/>
+        </a:xfrm>
+      </p:grpSpPr>
+      <p:sp>
+        <p:nvSpPr>
           <p:cNvPr id="2" name="Titel 1"/>
           <p:cNvSpPr>
             <a:spLocks noGrp="1"/>
@@ -7500,7 +8139,7 @@
 </p:sld>
 </file>
 
-<file path=ppt/slides/slide14.xml><?xml version="1.0" encoding="utf-8"?>
+<file path=ppt/slides/slide15.xml><?xml version="1.0" encoding="utf-8"?>
 <p:sld xmlns:a="http://schemas.openxmlformats.org/drawingml/2006/main" xmlns:r="http://schemas.openxmlformats.org/officeDocument/2006/relationships" xmlns:p="http://schemas.openxmlformats.org/presentationml/2006/main">
   <p:cSld>
     <p:spTree>
@@ -7658,7 +8297,7 @@
 </p:sld>
 </file>
 
-<file path=ppt/slides/slide15.xml><?xml version="1.0" encoding="utf-8"?>
+<file path=ppt/slides/slide16.xml><?xml version="1.0" encoding="utf-8"?>
 <p:sld xmlns:a="http://schemas.openxmlformats.org/drawingml/2006/main" xmlns:r="http://schemas.openxmlformats.org/officeDocument/2006/relationships" xmlns:p="http://schemas.openxmlformats.org/presentationml/2006/main">
   <p:cSld>
     <p:spTree>
@@ -7950,7 +8589,7 @@
 </p:sld>
 </file>
 
-<file path=ppt/slides/slide16.xml><?xml version="1.0" encoding="utf-8"?>
+<file path=ppt/slides/slide17.xml><?xml version="1.0" encoding="utf-8"?>
 <p:sld xmlns:a="http://schemas.openxmlformats.org/drawingml/2006/main" xmlns:r="http://schemas.openxmlformats.org/officeDocument/2006/relationships" xmlns:p="http://schemas.openxmlformats.org/presentationml/2006/main">
   <p:cSld>
     <p:spTree>
@@ -8037,7 +8676,7 @@
 </p:sld>
 </file>
 
-<file path=ppt/slides/slide17.xml><?xml version="1.0" encoding="utf-8"?>
+<file path=ppt/slides/slide18.xml><?xml version="1.0" encoding="utf-8"?>
 <p:sld xmlns:a="http://schemas.openxmlformats.org/drawingml/2006/main" xmlns:r="http://schemas.openxmlformats.org/officeDocument/2006/relationships" xmlns:p="http://schemas.openxmlformats.org/presentationml/2006/main">
   <p:cSld>
     <p:spTree>
@@ -8938,6 +9577,936 @@
       </p:grpSpPr>
       <p:sp>
         <p:nvSpPr>
+          <p:cNvPr id="2" name="Platshållare för innehåll 1"/>
+          <p:cNvSpPr>
+            <a:spLocks noGrp="1"/>
+          </p:cNvSpPr>
+          <p:nvPr>
+            <p:ph idx="1"/>
+          </p:nvPr>
+        </p:nvSpPr>
+        <p:spPr/>
+        <p:txBody>
+          <a:bodyPr/>
+          <a:lstStyle/>
+          <a:p>
+            <a:pPr lvl="0"/>
+            <a:r>
+              <a:rPr lang="sv-SE" altLang="sv-SE" sz="1200" dirty="0"/>
+              <a:t>$$  Get process list LIST_ENTRY in $t0.</a:t>
+            </a:r>
+            <a:br>
+              <a:rPr lang="sv-SE" altLang="sv-SE" sz="1200" dirty="0"/>
+            </a:br>
+            <a:r>
+              <a:rPr lang="sv-SE" altLang="sv-SE" sz="1200" dirty="0"/>
+              <a:t>r $t0 = </a:t>
+            </a:r>
+            <a:r>
+              <a:rPr lang="sv-SE" altLang="sv-SE" sz="1200" dirty="0" err="1"/>
+              <a:t>nt!PsActiveProcessHead</a:t>
+            </a:r>
+            <a:br>
+              <a:rPr lang="sv-SE" altLang="sv-SE" sz="1200" dirty="0"/>
+            </a:br>
+            <a:br>
+              <a:rPr lang="sv-SE" altLang="sv-SE" sz="1200" dirty="0"/>
+            </a:br>
+            <a:r>
+              <a:rPr lang="sv-SE" altLang="sv-SE" sz="1200" dirty="0"/>
+              <a:t>$$  </a:t>
+            </a:r>
+            <a:r>
+              <a:rPr lang="sv-SE" altLang="sv-SE" sz="1200" dirty="0" err="1"/>
+              <a:t>Iterate</a:t>
+            </a:r>
+            <a:r>
+              <a:rPr lang="sv-SE" altLang="sv-SE" sz="1200" dirty="0"/>
+              <a:t> over all </a:t>
+            </a:r>
+            <a:r>
+              <a:rPr lang="sv-SE" altLang="sv-SE" sz="1200" dirty="0" err="1"/>
+              <a:t>processes</a:t>
+            </a:r>
+            <a:r>
+              <a:rPr lang="sv-SE" altLang="sv-SE" sz="1200" dirty="0"/>
+              <a:t> in list.</a:t>
+            </a:r>
+            <a:br>
+              <a:rPr lang="sv-SE" altLang="sv-SE" sz="1200" dirty="0"/>
+            </a:br>
+            <a:r>
+              <a:rPr lang="sv-SE" altLang="sv-SE" sz="1200" dirty="0"/>
+              <a:t>.for (r $t1 = </a:t>
+            </a:r>
+            <a:r>
+              <a:rPr lang="sv-SE" altLang="sv-SE" sz="1200" dirty="0" err="1"/>
+              <a:t>poi</a:t>
+            </a:r>
+            <a:r>
+              <a:rPr lang="sv-SE" altLang="sv-SE" sz="1200" dirty="0"/>
+              <a:t>(@$t0);</a:t>
+            </a:r>
+            <a:br>
+              <a:rPr lang="sv-SE" altLang="sv-SE" sz="1200" dirty="0"/>
+            </a:br>
+            <a:r>
+              <a:rPr lang="sv-SE" altLang="sv-SE" sz="1200" dirty="0"/>
+              <a:t>      (@$t1 != 0) &amp; (@$t1 != @$t0);</a:t>
+            </a:r>
+            <a:br>
+              <a:rPr lang="sv-SE" altLang="sv-SE" sz="1200" dirty="0"/>
+            </a:br>
+            <a:r>
+              <a:rPr lang="sv-SE" altLang="sv-SE" sz="1200" dirty="0"/>
+              <a:t>      r $t1 = </a:t>
+            </a:r>
+            <a:r>
+              <a:rPr lang="sv-SE" altLang="sv-SE" sz="1200" dirty="0" err="1"/>
+              <a:t>poi</a:t>
+            </a:r>
+            <a:r>
+              <a:rPr lang="sv-SE" altLang="sv-SE" sz="1200" dirty="0"/>
+              <a:t>(@$t1))</a:t>
+            </a:r>
+            <a:br>
+              <a:rPr lang="sv-SE" altLang="sv-SE" sz="1200" dirty="0"/>
+            </a:br>
+            <a:r>
+              <a:rPr lang="sv-SE" altLang="sv-SE" sz="1200" dirty="0"/>
+              <a:t>{</a:t>
+            </a:r>
+            <a:br>
+              <a:rPr lang="sv-SE" altLang="sv-SE" sz="1200" dirty="0"/>
+            </a:br>
+            <a:r>
+              <a:rPr lang="sv-SE" altLang="sv-SE" sz="1200" dirty="0"/>
+              <a:t>    r? $t2 = #CONTAINING_RECORD(@$t1, </a:t>
+            </a:r>
+            <a:r>
+              <a:rPr lang="sv-SE" altLang="sv-SE" sz="1200" dirty="0" err="1"/>
+              <a:t>nt!_EPROCESS</a:t>
+            </a:r>
+            <a:r>
+              <a:rPr lang="sv-SE" altLang="sv-SE" sz="1200" dirty="0"/>
+              <a:t>, </a:t>
+            </a:r>
+            <a:r>
+              <a:rPr lang="sv-SE" altLang="sv-SE" sz="1200" dirty="0" err="1"/>
+              <a:t>ActiveProcessLinks</a:t>
+            </a:r>
+            <a:r>
+              <a:rPr lang="sv-SE" altLang="sv-SE" sz="1200" dirty="0"/>
+              <a:t>);</a:t>
+            </a:r>
+            <a:br>
+              <a:rPr lang="sv-SE" altLang="sv-SE" sz="1200" dirty="0"/>
+            </a:br>
+            <a:r>
+              <a:rPr lang="sv-SE" altLang="sv-SE" sz="1200" dirty="0"/>
+              <a:t>    as /x </a:t>
+            </a:r>
+            <a:r>
+              <a:rPr lang="sv-SE" altLang="sv-SE" sz="1200" dirty="0" err="1"/>
+              <a:t>Procc</a:t>
+            </a:r>
+            <a:r>
+              <a:rPr lang="sv-SE" altLang="sv-SE" sz="1200" dirty="0"/>
+              <a:t> @$t2</a:t>
+            </a:r>
+            <a:br>
+              <a:rPr lang="sv-SE" altLang="sv-SE" sz="1200" dirty="0"/>
+            </a:br>
+            <a:br>
+              <a:rPr lang="sv-SE" altLang="sv-SE" sz="1200" dirty="0"/>
+            </a:br>
+            <a:r>
+              <a:rPr lang="sv-SE" altLang="sv-SE" sz="1200" dirty="0"/>
+              <a:t>    $$  Get image </a:t>
+            </a:r>
+            <a:r>
+              <a:rPr lang="sv-SE" altLang="sv-SE" sz="1200" dirty="0" err="1"/>
+              <a:t>name</a:t>
+            </a:r>
+            <a:r>
+              <a:rPr lang="sv-SE" altLang="sv-SE" sz="1200" dirty="0"/>
+              <a:t> </a:t>
+            </a:r>
+            <a:r>
+              <a:rPr lang="sv-SE" altLang="sv-SE" sz="1200" dirty="0" err="1"/>
+              <a:t>into</a:t>
+            </a:r>
+            <a:r>
+              <a:rPr lang="sv-SE" altLang="sv-SE" sz="1200" dirty="0"/>
+              <a:t> $</a:t>
+            </a:r>
+            <a:r>
+              <a:rPr lang="sv-SE" altLang="sv-SE" sz="1200" dirty="0" err="1"/>
+              <a:t>ImageName</a:t>
+            </a:r>
+            <a:r>
+              <a:rPr lang="sv-SE" altLang="sv-SE" sz="1200" dirty="0"/>
+              <a:t>.</a:t>
+            </a:r>
+            <a:br>
+              <a:rPr lang="sv-SE" altLang="sv-SE" sz="1200" dirty="0"/>
+            </a:br>
+            <a:r>
+              <a:rPr lang="sv-SE" altLang="sv-SE" sz="1200" dirty="0"/>
+              <a:t>    as /</a:t>
+            </a:r>
+            <a:r>
+              <a:rPr lang="sv-SE" altLang="sv-SE" sz="1200" dirty="0" err="1"/>
+              <a:t>ma</a:t>
+            </a:r>
+            <a:r>
+              <a:rPr lang="sv-SE" altLang="sv-SE" sz="1200" dirty="0"/>
+              <a:t> $</a:t>
+            </a:r>
+            <a:r>
+              <a:rPr lang="sv-SE" altLang="sv-SE" sz="1200" dirty="0" err="1"/>
+              <a:t>ImageName</a:t>
+            </a:r>
+            <a:r>
+              <a:rPr lang="sv-SE" altLang="sv-SE" sz="1200" dirty="0"/>
+              <a:t> @@c++(&amp;@$t2-&gt;</a:t>
+            </a:r>
+            <a:r>
+              <a:rPr lang="sv-SE" altLang="sv-SE" sz="1200" dirty="0" err="1"/>
+              <a:t>ImageFileName</a:t>
+            </a:r>
+            <a:r>
+              <a:rPr lang="sv-SE" altLang="sv-SE" sz="1200" dirty="0"/>
+              <a:t>[0])</a:t>
+            </a:r>
+            <a:br>
+              <a:rPr lang="sv-SE" altLang="sv-SE" sz="1200" dirty="0"/>
+            </a:br>
+            <a:br>
+              <a:rPr lang="sv-SE" altLang="sv-SE" sz="1200" dirty="0"/>
+            </a:br>
+            <a:r>
+              <a:rPr lang="sv-SE" altLang="sv-SE" sz="1200" dirty="0"/>
+              <a:t>    .block</a:t>
+            </a:r>
+            <a:br>
+              <a:rPr lang="sv-SE" altLang="sv-SE" sz="1200" dirty="0"/>
+            </a:br>
+            <a:r>
+              <a:rPr lang="sv-SE" altLang="sv-SE" sz="1200" dirty="0"/>
+              <a:t>    {</a:t>
+            </a:r>
+            <a:br>
+              <a:rPr lang="sv-SE" altLang="sv-SE" sz="1200" dirty="0"/>
+            </a:br>
+            <a:r>
+              <a:rPr lang="sv-SE" altLang="sv-SE" sz="1200" dirty="0"/>
+              <a:t>        .</a:t>
+            </a:r>
+            <a:r>
+              <a:rPr lang="sv-SE" altLang="sv-SE" sz="1200" dirty="0" err="1"/>
+              <a:t>echo</a:t>
+            </a:r>
+            <a:r>
+              <a:rPr lang="sv-SE" altLang="sv-SE" sz="1200" dirty="0"/>
+              <a:t> ${$</a:t>
+            </a:r>
+            <a:r>
+              <a:rPr lang="sv-SE" altLang="sv-SE" sz="1200" dirty="0" err="1"/>
+              <a:t>ImageName</a:t>
+            </a:r>
+            <a:r>
+              <a:rPr lang="sv-SE" altLang="sv-SE" sz="1200" dirty="0"/>
+              <a:t>} at ${$</a:t>
+            </a:r>
+            <a:r>
+              <a:rPr lang="sv-SE" altLang="sv-SE" sz="1200" dirty="0" err="1"/>
+              <a:t>Procc</a:t>
+            </a:r>
+            <a:r>
+              <a:rPr lang="sv-SE" altLang="sv-SE" sz="1200" dirty="0"/>
+              <a:t>}</a:t>
+            </a:r>
+            <a:br>
+              <a:rPr lang="sv-SE" altLang="sv-SE" sz="1200" dirty="0"/>
+            </a:br>
+            <a:r>
+              <a:rPr lang="sv-SE" altLang="sv-SE" sz="1200" dirty="0"/>
+              <a:t>    }</a:t>
+            </a:r>
+            <a:br>
+              <a:rPr lang="sv-SE" altLang="sv-SE" sz="1200" dirty="0"/>
+            </a:br>
+            <a:br>
+              <a:rPr lang="sv-SE" altLang="sv-SE" sz="1200" dirty="0"/>
+            </a:br>
+            <a:r>
+              <a:rPr lang="sv-SE" altLang="sv-SE" sz="1200" dirty="0"/>
+              <a:t>    ad $</a:t>
+            </a:r>
+            <a:r>
+              <a:rPr lang="sv-SE" altLang="sv-SE" sz="1200" dirty="0" err="1"/>
+              <a:t>ImageName</a:t>
+            </a:r>
+            <a:br>
+              <a:rPr lang="sv-SE" altLang="sv-SE" sz="1200" dirty="0"/>
+            </a:br>
+            <a:r>
+              <a:rPr lang="sv-SE" altLang="sv-SE" sz="1200" dirty="0"/>
+              <a:t>    ad </a:t>
+            </a:r>
+            <a:r>
+              <a:rPr lang="sv-SE" altLang="sv-SE" sz="1200" dirty="0" err="1"/>
+              <a:t>Procc</a:t>
+            </a:r>
+            <a:br>
+              <a:rPr lang="sv-SE" altLang="sv-SE" sz="1200" dirty="0"/>
+            </a:br>
+            <a:r>
+              <a:rPr lang="sv-SE" altLang="sv-SE" sz="1200" dirty="0"/>
+              <a:t>}</a:t>
+            </a:r>
+            <a:br>
+              <a:rPr lang="sv-SE" altLang="sv-SE" sz="1200" dirty="0"/>
+            </a:br>
+            <a:endParaRPr lang="sv-SE" altLang="sv-SE" sz="1200" dirty="0"/>
+          </a:p>
+          <a:p>
+            <a:endParaRPr lang="sv-SE" dirty="0"/>
+          </a:p>
+        </p:txBody>
+      </p:sp>
+      <p:sp>
+        <p:nvSpPr>
+          <p:cNvPr id="3" name="Rubrik 2"/>
+          <p:cNvSpPr>
+            <a:spLocks noGrp="1"/>
+          </p:cNvSpPr>
+          <p:nvPr>
+            <p:ph type="title"/>
+          </p:nvPr>
+        </p:nvSpPr>
+        <p:spPr/>
+        <p:txBody>
+          <a:bodyPr/>
+          <a:lstStyle/>
+          <a:p>
+            <a:r>
+              <a:rPr lang="en-US" dirty="0"/>
+              <a:t>Scripting in </a:t>
+            </a:r>
+            <a:r>
+              <a:rPr lang="en-US" dirty="0" err="1"/>
+              <a:t>WinDbg</a:t>
+            </a:r>
+            <a:endParaRPr lang="sv-SE" dirty="0"/>
+          </a:p>
+        </p:txBody>
+      </p:sp>
+      <p:sp>
+        <p:nvSpPr>
+          <p:cNvPr id="5" name="Rectangle 1"/>
+          <p:cNvSpPr txBox="1">
+            <a:spLocks noChangeArrowheads="1"/>
+          </p:cNvSpPr>
+          <p:nvPr/>
+        </p:nvSpPr>
+        <p:spPr bwMode="auto">
+          <a:xfrm>
+            <a:off x="3131840" y="2636912"/>
+            <a:ext cx="2304256" cy="1569660"/>
+          </a:xfrm>
+          <a:prstGeom prst="rect">
+            <a:avLst/>
+          </a:prstGeom>
+          <a:noFill/>
+          <a:ln>
+            <a:noFill/>
+          </a:ln>
+          <a:effectLst/>
+          <a:extLst>
+            <a:ext uri="{909E8E84-426E-40DD-AFC4-6F175D3DCCD1}">
+              <a14:hiddenFill xmlns:a14="http://schemas.microsoft.com/office/drawing/2010/main">
+                <a:solidFill>
+                  <a:schemeClr val="accent1"/>
+                </a:solidFill>
+              </a14:hiddenFill>
+            </a:ext>
+            <a:ext uri="{91240B29-F687-4F45-9708-019B960494DF}">
+              <a14:hiddenLine xmlns:a14="http://schemas.microsoft.com/office/drawing/2010/main" w="9525">
+                <a:solidFill>
+                  <a:schemeClr val="tx1"/>
+                </a:solidFill>
+                <a:miter lim="800000"/>
+                <a:headEnd/>
+                <a:tailEnd/>
+              </a14:hiddenLine>
+            </a:ext>
+            <a:ext uri="{AF507438-7753-43E0-B8FC-AC1667EBCBE1}">
+              <a14:hiddenEffects xmlns:a14="http://schemas.microsoft.com/office/drawing/2010/main">
+                <a:effectLst>
+                  <a:outerShdw dist="35921" dir="2700000" algn="ctr" rotWithShape="0">
+                    <a:schemeClr val="bg2"/>
+                  </a:outerShdw>
+                </a:effectLst>
+              </a14:hiddenEffects>
+            </a:ext>
+          </a:extLst>
+        </p:spPr>
+        <p:txBody>
+          <a:bodyPr vert="horz" wrap="square" lIns="91440" tIns="45720" rIns="91440" bIns="45720" numCol="1" rtlCol="0" anchor="ctr" anchorCtr="0" compatLnSpc="1">
+            <a:prstTxWarp prst="textNoShape">
+              <a:avLst/>
+            </a:prstTxWarp>
+            <a:spAutoFit/>
+          </a:bodyPr>
+          <a:lstStyle>
+            <a:lvl1pPr marL="342900" indent="-306000" algn="l" defTabSz="457200" rtl="0" eaLnBrk="1" latinLnBrk="0" hangingPunct="1">
+              <a:spcBef>
+                <a:spcPct val="20000"/>
+              </a:spcBef>
+              <a:spcAft>
+                <a:spcPts val="600"/>
+              </a:spcAft>
+              <a:buClr>
+                <a:schemeClr val="tx2"/>
+              </a:buClr>
+              <a:buSzPct val="70000"/>
+              <a:buFont typeface="Wingdings 2" charset="2"/>
+              <a:buChar char=""/>
+              <a:defRPr sz="2000" kern="1200">
+                <a:ln>
+                  <a:solidFill>
+                    <a:schemeClr val="bg1">
+                      <a:lumMod val="75000"/>
+                      <a:lumOff val="25000"/>
+                      <a:alpha val="10000"/>
+                    </a:schemeClr>
+                  </a:solidFill>
+                </a:ln>
+                <a:solidFill>
+                  <a:schemeClr val="tx2"/>
+                </a:solidFill>
+                <a:effectLst>
+                  <a:outerShdw blurRad="9525" dist="25400" dir="14640000" algn="tl" rotWithShape="0">
+                    <a:schemeClr val="bg1">
+                      <a:alpha val="30000"/>
+                    </a:schemeClr>
+                  </a:outerShdw>
+                </a:effectLst>
+                <a:latin typeface="+mn-lt"/>
+                <a:ea typeface="+mn-ea"/>
+                <a:cs typeface="+mn-cs"/>
+              </a:defRPr>
+            </a:lvl1pPr>
+            <a:lvl2pPr marL="720000" indent="-270000" algn="l" defTabSz="457200" rtl="0" eaLnBrk="1" latinLnBrk="0" hangingPunct="1">
+              <a:spcBef>
+                <a:spcPct val="20000"/>
+              </a:spcBef>
+              <a:spcAft>
+                <a:spcPts val="600"/>
+              </a:spcAft>
+              <a:buClr>
+                <a:schemeClr val="tx2"/>
+              </a:buClr>
+              <a:buSzPct val="70000"/>
+              <a:buFont typeface="Wingdings 2" charset="2"/>
+              <a:buChar char=""/>
+              <a:defRPr sz="1800" kern="1200">
+                <a:ln>
+                  <a:solidFill>
+                    <a:schemeClr val="bg1">
+                      <a:lumMod val="75000"/>
+                      <a:lumOff val="25000"/>
+                      <a:alpha val="10000"/>
+                    </a:schemeClr>
+                  </a:solidFill>
+                </a:ln>
+                <a:solidFill>
+                  <a:schemeClr val="tx2"/>
+                </a:solidFill>
+                <a:effectLst>
+                  <a:outerShdw blurRad="9525" dist="25400" dir="14640000" algn="tl" rotWithShape="0">
+                    <a:schemeClr val="bg1">
+                      <a:alpha val="30000"/>
+                    </a:schemeClr>
+                  </a:outerShdw>
+                </a:effectLst>
+                <a:latin typeface="+mn-lt"/>
+                <a:ea typeface="+mn-ea"/>
+                <a:cs typeface="+mn-cs"/>
+              </a:defRPr>
+            </a:lvl2pPr>
+            <a:lvl3pPr marL="1026000" indent="-216000" algn="l" defTabSz="457200" rtl="0" eaLnBrk="1" latinLnBrk="0" hangingPunct="1">
+              <a:spcBef>
+                <a:spcPct val="20000"/>
+              </a:spcBef>
+              <a:spcAft>
+                <a:spcPts val="600"/>
+              </a:spcAft>
+              <a:buClr>
+                <a:schemeClr val="tx2"/>
+              </a:buClr>
+              <a:buSzPct val="70000"/>
+              <a:buFont typeface="Wingdings 2" charset="2"/>
+              <a:buChar char=""/>
+              <a:defRPr sz="1600" kern="1200">
+                <a:ln>
+                  <a:solidFill>
+                    <a:schemeClr val="bg1">
+                      <a:lumMod val="75000"/>
+                      <a:lumOff val="25000"/>
+                      <a:alpha val="10000"/>
+                    </a:schemeClr>
+                  </a:solidFill>
+                </a:ln>
+                <a:solidFill>
+                  <a:schemeClr val="tx2"/>
+                </a:solidFill>
+                <a:effectLst>
+                  <a:outerShdw blurRad="9525" dist="25400" dir="14640000" algn="tl" rotWithShape="0">
+                    <a:schemeClr val="bg1">
+                      <a:alpha val="30000"/>
+                    </a:schemeClr>
+                  </a:outerShdw>
+                </a:effectLst>
+                <a:latin typeface="+mn-lt"/>
+                <a:ea typeface="+mn-ea"/>
+                <a:cs typeface="+mn-cs"/>
+              </a:defRPr>
+            </a:lvl3pPr>
+            <a:lvl4pPr marL="1386000" indent="-216000" algn="l" defTabSz="457200" rtl="0" eaLnBrk="1" latinLnBrk="0" hangingPunct="1">
+              <a:spcBef>
+                <a:spcPct val="20000"/>
+              </a:spcBef>
+              <a:spcAft>
+                <a:spcPts val="600"/>
+              </a:spcAft>
+              <a:buClr>
+                <a:schemeClr val="tx2"/>
+              </a:buClr>
+              <a:buSzPct val="70000"/>
+              <a:buFont typeface="Wingdings 2" charset="2"/>
+              <a:buChar char=""/>
+              <a:defRPr sz="1400" kern="1200">
+                <a:ln>
+                  <a:solidFill>
+                    <a:schemeClr val="bg1">
+                      <a:lumMod val="75000"/>
+                      <a:lumOff val="25000"/>
+                      <a:alpha val="10000"/>
+                    </a:schemeClr>
+                  </a:solidFill>
+                </a:ln>
+                <a:solidFill>
+                  <a:schemeClr val="tx2"/>
+                </a:solidFill>
+                <a:effectLst>
+                  <a:outerShdw blurRad="9525" dist="25400" dir="14640000" algn="tl" rotWithShape="0">
+                    <a:schemeClr val="bg1">
+                      <a:alpha val="30000"/>
+                    </a:schemeClr>
+                  </a:outerShdw>
+                </a:effectLst>
+                <a:latin typeface="+mn-lt"/>
+                <a:ea typeface="+mn-ea"/>
+                <a:cs typeface="+mn-cs"/>
+              </a:defRPr>
+            </a:lvl4pPr>
+            <a:lvl5pPr marL="1674000" indent="-216000" algn="l" defTabSz="457200" rtl="0" eaLnBrk="1" latinLnBrk="0" hangingPunct="1">
+              <a:spcBef>
+                <a:spcPct val="20000"/>
+              </a:spcBef>
+              <a:spcAft>
+                <a:spcPts val="600"/>
+              </a:spcAft>
+              <a:buClr>
+                <a:schemeClr val="tx2"/>
+              </a:buClr>
+              <a:buSzPct val="70000"/>
+              <a:buFont typeface="Wingdings 2" charset="2"/>
+              <a:buChar char=""/>
+              <a:defRPr sz="1400" kern="1200">
+                <a:ln>
+                  <a:solidFill>
+                    <a:schemeClr val="bg1">
+                      <a:lumMod val="75000"/>
+                      <a:lumOff val="25000"/>
+                      <a:alpha val="10000"/>
+                    </a:schemeClr>
+                  </a:solidFill>
+                </a:ln>
+                <a:solidFill>
+                  <a:schemeClr val="tx2"/>
+                </a:solidFill>
+                <a:effectLst>
+                  <a:outerShdw blurRad="9525" dist="25400" dir="14640000" algn="tl" rotWithShape="0">
+                    <a:schemeClr val="bg1">
+                      <a:alpha val="30000"/>
+                    </a:schemeClr>
+                  </a:outerShdw>
+                </a:effectLst>
+                <a:latin typeface="+mn-lt"/>
+                <a:ea typeface="+mn-ea"/>
+                <a:cs typeface="+mn-cs"/>
+              </a:defRPr>
+            </a:lvl5pPr>
+            <a:lvl6pPr marL="2014600" indent="-228600" algn="l" defTabSz="457200" rtl="0" eaLnBrk="1" latinLnBrk="0" hangingPunct="1">
+              <a:spcBef>
+                <a:spcPct val="20000"/>
+              </a:spcBef>
+              <a:spcAft>
+                <a:spcPts val="600"/>
+              </a:spcAft>
+              <a:buClr>
+                <a:schemeClr val="tx2"/>
+              </a:buClr>
+              <a:buSzPct val="70000"/>
+              <a:buFont typeface="Wingdings 2" charset="2"/>
+              <a:buChar char=""/>
+              <a:defRPr sz="1400" kern="1200">
+                <a:ln>
+                  <a:solidFill>
+                    <a:schemeClr val="bg1">
+                      <a:lumMod val="75000"/>
+                      <a:lumOff val="25000"/>
+                      <a:alpha val="10000"/>
+                    </a:schemeClr>
+                  </a:solidFill>
+                </a:ln>
+                <a:solidFill>
+                  <a:schemeClr val="tx2"/>
+                </a:solidFill>
+                <a:effectLst>
+                  <a:outerShdw blurRad="9525" dist="25400" dir="14640000" algn="tl" rotWithShape="0">
+                    <a:schemeClr val="bg1">
+                      <a:alpha val="30000"/>
+                    </a:schemeClr>
+                  </a:outerShdw>
+                </a:effectLst>
+                <a:latin typeface="+mn-lt"/>
+                <a:ea typeface="+mn-ea"/>
+                <a:cs typeface="+mn-cs"/>
+              </a:defRPr>
+            </a:lvl6pPr>
+            <a:lvl7pPr marL="2401800" indent="-228600" algn="l" defTabSz="457200" rtl="0" eaLnBrk="1" latinLnBrk="0" hangingPunct="1">
+              <a:spcBef>
+                <a:spcPct val="20000"/>
+              </a:spcBef>
+              <a:spcAft>
+                <a:spcPts val="600"/>
+              </a:spcAft>
+              <a:buClr>
+                <a:schemeClr val="tx2"/>
+              </a:buClr>
+              <a:buSzPct val="70000"/>
+              <a:buFont typeface="Wingdings 2" charset="2"/>
+              <a:buChar char=""/>
+              <a:defRPr sz="1400" kern="1200">
+                <a:ln>
+                  <a:solidFill>
+                    <a:schemeClr val="bg1">
+                      <a:lumMod val="75000"/>
+                      <a:lumOff val="25000"/>
+                      <a:alpha val="10000"/>
+                    </a:schemeClr>
+                  </a:solidFill>
+                </a:ln>
+                <a:solidFill>
+                  <a:schemeClr val="tx2"/>
+                </a:solidFill>
+                <a:effectLst>
+                  <a:outerShdw blurRad="9525" dist="25400" dir="14640000" algn="tl" rotWithShape="0">
+                    <a:schemeClr val="bg1">
+                      <a:alpha val="30000"/>
+                    </a:schemeClr>
+                  </a:outerShdw>
+                </a:effectLst>
+                <a:latin typeface="+mn-lt"/>
+                <a:ea typeface="+mn-ea"/>
+                <a:cs typeface="+mn-cs"/>
+              </a:defRPr>
+            </a:lvl7pPr>
+            <a:lvl8pPr marL="2789000" indent="-228600" algn="l" defTabSz="457200" rtl="0" eaLnBrk="1" latinLnBrk="0" hangingPunct="1">
+              <a:spcBef>
+                <a:spcPct val="20000"/>
+              </a:spcBef>
+              <a:spcAft>
+                <a:spcPts val="600"/>
+              </a:spcAft>
+              <a:buClr>
+                <a:schemeClr val="tx2"/>
+              </a:buClr>
+              <a:buSzPct val="70000"/>
+              <a:buFont typeface="Wingdings 2" charset="2"/>
+              <a:buChar char=""/>
+              <a:defRPr sz="1400" kern="1200">
+                <a:ln>
+                  <a:solidFill>
+                    <a:schemeClr val="bg1">
+                      <a:lumMod val="75000"/>
+                      <a:lumOff val="25000"/>
+                      <a:alpha val="10000"/>
+                    </a:schemeClr>
+                  </a:solidFill>
+                </a:ln>
+                <a:solidFill>
+                  <a:schemeClr val="tx2"/>
+                </a:solidFill>
+                <a:effectLst>
+                  <a:outerShdw blurRad="9525" dist="25400" dir="14640000" algn="tl" rotWithShape="0">
+                    <a:schemeClr val="bg1">
+                      <a:alpha val="30000"/>
+                    </a:schemeClr>
+                  </a:outerShdw>
+                </a:effectLst>
+                <a:latin typeface="+mn-lt"/>
+                <a:ea typeface="+mn-ea"/>
+                <a:cs typeface="+mn-cs"/>
+              </a:defRPr>
+            </a:lvl8pPr>
+            <a:lvl9pPr marL="3106200" indent="-228600" algn="l" defTabSz="457200" rtl="0" eaLnBrk="1" latinLnBrk="0" hangingPunct="1">
+              <a:spcBef>
+                <a:spcPct val="20000"/>
+              </a:spcBef>
+              <a:spcAft>
+                <a:spcPts val="600"/>
+              </a:spcAft>
+              <a:buClr>
+                <a:schemeClr val="tx2"/>
+              </a:buClr>
+              <a:buSzPct val="70000"/>
+              <a:buFont typeface="Wingdings 2" charset="2"/>
+              <a:buChar char=""/>
+              <a:defRPr sz="1400" kern="1200">
+                <a:ln>
+                  <a:solidFill>
+                    <a:schemeClr val="bg1">
+                      <a:lumMod val="75000"/>
+                      <a:lumOff val="25000"/>
+                      <a:alpha val="10000"/>
+                    </a:schemeClr>
+                  </a:solidFill>
+                </a:ln>
+                <a:solidFill>
+                  <a:schemeClr val="tx2"/>
+                </a:solidFill>
+                <a:effectLst>
+                  <a:outerShdw blurRad="9525" dist="25400" dir="14640000" algn="tl" rotWithShape="0">
+                    <a:schemeClr val="bg1">
+                      <a:alpha val="30000"/>
+                    </a:schemeClr>
+                  </a:outerShdw>
+                </a:effectLst>
+                <a:latin typeface="+mn-lt"/>
+                <a:ea typeface="+mn-ea"/>
+                <a:cs typeface="+mn-cs"/>
+              </a:defRPr>
+            </a:lvl9pPr>
+          </a:lstStyle>
+          <a:p>
+            <a:pPr marL="0" indent="0" defTabSz="914400" eaLnBrk="0" fontAlgn="base" hangingPunct="0">
+              <a:spcBef>
+                <a:spcPct val="0"/>
+              </a:spcBef>
+              <a:spcAft>
+                <a:spcPct val="0"/>
+              </a:spcAft>
+              <a:buClrTx/>
+              <a:buSzTx/>
+              <a:buFontTx/>
+              <a:buNone/>
+            </a:pPr>
+            <a:r>
+              <a:rPr lang="sv-SE" altLang="sv-SE" sz="9600" dirty="0">
+                <a:solidFill>
+                  <a:schemeClr val="bg1"/>
+                </a:solidFill>
+                <a:effectLst>
+                  <a:outerShdw blurRad="50800" dist="38100" dir="2700000" algn="tl" rotWithShape="0">
+                    <a:prstClr val="black">
+                      <a:alpha val="40000"/>
+                    </a:prstClr>
+                  </a:outerShdw>
+                </a:effectLst>
+                <a:latin typeface="Ubuntu Mono" panose="020B0509030602030204" pitchFamily="49" charset="0"/>
+                <a:ea typeface="Roboto" panose="02000000000000000000" pitchFamily="2" charset="0"/>
+              </a:rPr>
+              <a:t>WTF</a:t>
+            </a:r>
+          </a:p>
+        </p:txBody>
+      </p:sp>
+    </p:spTree>
+    <p:extLst>
+      <p:ext uri="{BB962C8B-B14F-4D97-AF65-F5344CB8AC3E}">
+        <p14:creationId xmlns:p14="http://schemas.microsoft.com/office/powerpoint/2010/main" val="125784199"/>
+      </p:ext>
+    </p:extLst>
+  </p:cSld>
+  <p:clrMapOvr>
+    <a:masterClrMapping/>
+  </p:clrMapOvr>
+  <mc:AlternateContent xmlns:mc="http://schemas.openxmlformats.org/markup-compatibility/2006" xmlns:p14="http://schemas.microsoft.com/office/powerpoint/2010/main">
+    <mc:Choice Requires="p14">
+      <p:transition spd="slow" p14:dur="1300">
+        <p14:pan dir="u"/>
+      </p:transition>
+    </mc:Choice>
+    <mc:Fallback xmlns="">
+      <p:transition spd="slow">
+        <p:fade/>
+      </p:transition>
+    </mc:Fallback>
+  </mc:AlternateContent>
+  <p:timing>
+    <p:tnLst>
+      <p:par>
+        <p:cTn id="1" dur="indefinite" restart="never" nodeType="tmRoot">
+          <p:childTnLst>
+            <p:seq concurrent="1" nextAc="seek">
+              <p:cTn id="2" dur="indefinite" nodeType="mainSeq">
+                <p:childTnLst>
+                  <p:par>
+                    <p:cTn id="3" fill="hold">
+                      <p:stCondLst>
+                        <p:cond delay="indefinite"/>
+                      </p:stCondLst>
+                      <p:childTnLst>
+                        <p:par>
+                          <p:cTn id="4" fill="hold">
+                            <p:stCondLst>
+                              <p:cond delay="0"/>
+                            </p:stCondLst>
+                            <p:childTnLst>
+                              <p:par>
+                                <p:cTn id="5" presetID="1" presetClass="exit" presetSubtype="0" fill="hold" grpId="0" nodeType="clickEffect">
+                                  <p:stCondLst>
+                                    <p:cond delay="0"/>
+                                  </p:stCondLst>
+                                  <p:childTnLst>
+                                    <p:set>
+                                      <p:cBhvr>
+                                        <p:cTn id="6" dur="1" fill="hold">
+                                          <p:stCondLst>
+                                            <p:cond delay="0"/>
+                                          </p:stCondLst>
+                                        </p:cTn>
+                                        <p:tgtEl>
+                                          <p:spTgt spid="2">
+                                            <p:txEl>
+                                              <p:pRg st="0" end="0"/>
+                                            </p:txEl>
+                                          </p:spTgt>
+                                        </p:tgtEl>
+                                        <p:attrNameLst>
+                                          <p:attrName>style.visibility</p:attrName>
+                                        </p:attrNameLst>
+                                      </p:cBhvr>
+                                      <p:to>
+                                        <p:strVal val="hidden"/>
+                                      </p:to>
+                                    </p:set>
+                                  </p:childTnLst>
+                                </p:cTn>
+                              </p:par>
+                              <p:par>
+                                <p:cTn id="7" presetID="10" presetClass="entr" presetSubtype="0" fill="hold" grpId="0" nodeType="withEffect">
+                                  <p:stCondLst>
+                                    <p:cond delay="0"/>
+                                  </p:stCondLst>
+                                  <p:childTnLst>
+                                    <p:set>
+                                      <p:cBhvr>
+                                        <p:cTn id="8" dur="1" fill="hold">
+                                          <p:stCondLst>
+                                            <p:cond delay="0"/>
+                                          </p:stCondLst>
+                                        </p:cTn>
+                                        <p:tgtEl>
+                                          <p:spTgt spid="5">
+                                            <p:txEl>
+                                              <p:pRg st="0" end="0"/>
+                                            </p:txEl>
+                                          </p:spTgt>
+                                        </p:tgtEl>
+                                        <p:attrNameLst>
+                                          <p:attrName>style.visibility</p:attrName>
+                                        </p:attrNameLst>
+                                      </p:cBhvr>
+                                      <p:to>
+                                        <p:strVal val="visible"/>
+                                      </p:to>
+                                    </p:set>
+                                    <p:animEffect transition="in" filter="fade">
+                                      <p:cBhvr>
+                                        <p:cTn id="9" dur="1000"/>
+                                        <p:tgtEl>
+                                          <p:spTgt spid="5">
+                                            <p:txEl>
+                                              <p:pRg st="0" end="0"/>
+                                            </p:txEl>
+                                          </p:spTgt>
+                                        </p:tgtEl>
+                                      </p:cBhvr>
+                                    </p:animEffect>
+                                  </p:childTnLst>
+                                </p:cTn>
+                              </p:par>
+                            </p:childTnLst>
+                          </p:cTn>
+                        </p:par>
+                      </p:childTnLst>
+                    </p:cTn>
+                  </p:par>
+                </p:childTnLst>
+              </p:cTn>
+              <p:prevCondLst>
+                <p:cond evt="onPrev" delay="0">
+                  <p:tgtEl>
+                    <p:sldTgt/>
+                  </p:tgtEl>
+                </p:cond>
+              </p:prevCondLst>
+              <p:nextCondLst>
+                <p:cond evt="onNext" delay="0">
+                  <p:tgtEl>
+                    <p:sldTgt/>
+                  </p:tgtEl>
+                </p:cond>
+              </p:nextCondLst>
+            </p:seq>
+          </p:childTnLst>
+        </p:cTn>
+      </p:par>
+    </p:tnLst>
+    <p:bldLst>
+      <p:bldP spid="2" grpId="0" build="p"/>
+      <p:bldP spid="5" grpId="0" build="allAtOnce"/>
+    </p:bldLst>
+  </p:timing>
+</p:sld>
+</file>
+
+<file path=ppt/slides/slide6.xml><?xml version="1.0" encoding="utf-8"?>
+<p:sld xmlns:a="http://schemas.openxmlformats.org/drawingml/2006/main" xmlns:r="http://schemas.openxmlformats.org/officeDocument/2006/relationships" xmlns:p="http://schemas.openxmlformats.org/presentationml/2006/main">
+  <p:cSld>
+    <p:spTree>
+      <p:nvGrpSpPr>
+        <p:cNvPr id="1" name=""/>
+        <p:cNvGrpSpPr/>
+        <p:nvPr/>
+      </p:nvGrpSpPr>
+      <p:grpSpPr>
+        <a:xfrm>
+          <a:off x="0" y="0"/>
+          <a:ext cx="0" cy="0"/>
+          <a:chOff x="0" y="0"/>
+          <a:chExt cx="0" cy="0"/>
+        </a:xfrm>
+      </p:grpSpPr>
+      <p:sp>
+        <p:nvSpPr>
           <p:cNvPr id="3" name="Rubrik 2"/>
           <p:cNvSpPr>
             <a:spLocks noGrp="1"/>
@@ -9022,7 +10591,7 @@
 </p:sld>
 </file>
 
-<file path=ppt/slides/slide6.xml><?xml version="1.0" encoding="utf-8"?>
+<file path=ppt/slides/slide7.xml><?xml version="1.0" encoding="utf-8"?>
 <p:sld xmlns:a="http://schemas.openxmlformats.org/drawingml/2006/main" xmlns:r="http://schemas.openxmlformats.org/officeDocument/2006/relationships" xmlns:p="http://schemas.openxmlformats.org/presentationml/2006/main">
   <p:cSld>
     <p:spTree>
@@ -9679,7 +11248,7 @@
 </p:sld>
 </file>
 
-<file path=ppt/slides/slide7.xml><?xml version="1.0" encoding="utf-8"?>
+<file path=ppt/slides/slide8.xml><?xml version="1.0" encoding="utf-8"?>
 <p:sld xmlns:a="http://schemas.openxmlformats.org/drawingml/2006/main" xmlns:r="http://schemas.openxmlformats.org/officeDocument/2006/relationships" xmlns:p="http://schemas.openxmlformats.org/presentationml/2006/main">
   <p:cSld>
     <p:spTree>
@@ -10358,7 +11927,7 @@
 </p:sld>
 </file>
 
-<file path=ppt/slides/slide8.xml><?xml version="1.0" encoding="utf-8"?>
+<file path=ppt/slides/slide9.xml><?xml version="1.0" encoding="utf-8"?>
 <p:sld xmlns:a="http://schemas.openxmlformats.org/drawingml/2006/main" xmlns:r="http://schemas.openxmlformats.org/officeDocument/2006/relationships" xmlns:p="http://schemas.openxmlformats.org/presentationml/2006/main">
   <p:cSld>
     <p:spTree>
@@ -10470,649 +12039,6 @@
     <p:extLst>
       <p:ext uri="{BB962C8B-B14F-4D97-AF65-F5344CB8AC3E}">
         <p14:creationId xmlns:p14="http://schemas.microsoft.com/office/powerpoint/2010/main" val="3253742371"/>
-      </p:ext>
-    </p:extLst>
-  </p:cSld>
-  <p:clrMapOvr>
-    <a:masterClrMapping/>
-  </p:clrMapOvr>
-  <mc:AlternateContent xmlns:mc="http://schemas.openxmlformats.org/markup-compatibility/2006" xmlns:p14="http://schemas.microsoft.com/office/powerpoint/2010/main">
-    <mc:Choice Requires="p14">
-      <p:transition spd="slow" p14:dur="1300">
-        <p14:pan dir="u"/>
-      </p:transition>
-    </mc:Choice>
-    <mc:Fallback xmlns="">
-      <p:transition spd="slow">
-        <p:fade/>
-      </p:transition>
-    </mc:Fallback>
-  </mc:AlternateContent>
-</p:sld>
-</file>
-
-<file path=ppt/slides/slide9.xml><?xml version="1.0" encoding="utf-8"?>
-<p:sld xmlns:a="http://schemas.openxmlformats.org/drawingml/2006/main" xmlns:r="http://schemas.openxmlformats.org/officeDocument/2006/relationships" xmlns:p="http://schemas.openxmlformats.org/presentationml/2006/main">
-  <p:cSld>
-    <p:spTree>
-      <p:nvGrpSpPr>
-        <p:cNvPr id="1" name=""/>
-        <p:cNvGrpSpPr/>
-        <p:nvPr/>
-      </p:nvGrpSpPr>
-      <p:grpSpPr>
-        <a:xfrm>
-          <a:off x="0" y="0"/>
-          <a:ext cx="0" cy="0"/>
-          <a:chOff x="0" y="0"/>
-          <a:chExt cx="0" cy="0"/>
-        </a:xfrm>
-      </p:grpSpPr>
-      <p:sp>
-        <p:nvSpPr>
-          <p:cNvPr id="4" name="Rektangel 3"/>
-          <p:cNvSpPr/>
-          <p:nvPr/>
-        </p:nvSpPr>
-        <p:spPr>
-          <a:xfrm>
-            <a:off x="252006" y="660539"/>
-            <a:ext cx="8630338" cy="4760298"/>
-          </a:xfrm>
-          <a:prstGeom prst="rect">
-            <a:avLst/>
-          </a:prstGeom>
-        </p:spPr>
-        <p:style>
-          <a:lnRef idx="1">
-            <a:schemeClr val="accent4"/>
-          </a:lnRef>
-          <a:fillRef idx="2">
-            <a:schemeClr val="accent4"/>
-          </a:fillRef>
-          <a:effectRef idx="1">
-            <a:schemeClr val="accent4"/>
-          </a:effectRef>
-          <a:fontRef idx="minor">
-            <a:schemeClr val="dk1"/>
-          </a:fontRef>
-        </p:style>
-        <p:txBody>
-          <a:bodyPr rtlCol="0" anchor="ctr"/>
-          <a:lstStyle/>
-          <a:p>
-            <a:pPr algn="ctr"/>
-            <a:endParaRPr lang="sv-SE"/>
-          </a:p>
-        </p:txBody>
-      </p:sp>
-      <p:sp>
-        <p:nvSpPr>
-          <p:cNvPr id="5" name="Rektangel 4"/>
-          <p:cNvSpPr/>
-          <p:nvPr/>
-        </p:nvSpPr>
-        <p:spPr>
-          <a:xfrm>
-            <a:off x="252006" y="5479828"/>
-            <a:ext cx="8630338" cy="1162484"/>
-          </a:xfrm>
-          <a:prstGeom prst="rect">
-            <a:avLst/>
-          </a:prstGeom>
-        </p:spPr>
-        <p:style>
-          <a:lnRef idx="2">
-            <a:schemeClr val="accent1">
-              <a:shade val="50000"/>
-            </a:schemeClr>
-          </a:lnRef>
-          <a:fillRef idx="1">
-            <a:schemeClr val="accent1"/>
-          </a:fillRef>
-          <a:effectRef idx="0">
-            <a:schemeClr val="accent1"/>
-          </a:effectRef>
-          <a:fontRef idx="minor">
-            <a:schemeClr val="lt1"/>
-          </a:fontRef>
-        </p:style>
-        <p:txBody>
-          <a:bodyPr rtlCol="0" anchor="ctr"/>
-          <a:lstStyle/>
-          <a:p>
-            <a:pPr algn="ctr"/>
-            <a:r>
-              <a:rPr lang="en-US" dirty="0"/>
-              <a:t>Native Debugger (dbgeng.dll)</a:t>
-            </a:r>
-            <a:endParaRPr lang="sv-SE" dirty="0"/>
-          </a:p>
-        </p:txBody>
-      </p:sp>
-      <p:sp>
-        <p:nvSpPr>
-          <p:cNvPr id="6" name="Rektangel 5"/>
-          <p:cNvSpPr/>
-          <p:nvPr/>
-        </p:nvSpPr>
-        <p:spPr>
-          <a:xfrm>
-            <a:off x="467544" y="793041"/>
-            <a:ext cx="8266509" cy="4508167"/>
-          </a:xfrm>
-          <a:prstGeom prst="rect">
-            <a:avLst/>
-          </a:prstGeom>
-          <a:solidFill>
-            <a:srgbClr val="0070C0"/>
-          </a:solidFill>
-          <a:ln>
-            <a:solidFill>
-              <a:srgbClr val="002060"/>
-            </a:solidFill>
-          </a:ln>
-        </p:spPr>
-        <p:style>
-          <a:lnRef idx="2">
-            <a:schemeClr val="accent1">
-              <a:shade val="50000"/>
-            </a:schemeClr>
-          </a:lnRef>
-          <a:fillRef idx="1">
-            <a:schemeClr val="accent1"/>
-          </a:fillRef>
-          <a:effectRef idx="0">
-            <a:schemeClr val="accent1"/>
-          </a:effectRef>
-          <a:fontRef idx="minor">
-            <a:schemeClr val="lt1"/>
-          </a:fontRef>
-        </p:style>
-        <p:txBody>
-          <a:bodyPr rtlCol="0" anchor="ctr"/>
-          <a:lstStyle/>
-          <a:p>
-            <a:pPr algn="ctr"/>
-            <a:endParaRPr lang="sv-SE"/>
-          </a:p>
-        </p:txBody>
-      </p:sp>
-      <p:sp>
-        <p:nvSpPr>
-          <p:cNvPr id="7" name="Rektangel 6"/>
-          <p:cNvSpPr/>
-          <p:nvPr/>
-        </p:nvSpPr>
-        <p:spPr>
-          <a:xfrm>
-            <a:off x="566769" y="1384263"/>
-            <a:ext cx="4303986" cy="400312"/>
-          </a:xfrm>
-          <a:prstGeom prst="rect">
-            <a:avLst/>
-          </a:prstGeom>
-          <a:solidFill>
-            <a:srgbClr val="0070C0"/>
-          </a:solidFill>
-          <a:ln>
-            <a:solidFill>
-              <a:srgbClr val="002060"/>
-            </a:solidFill>
-          </a:ln>
-        </p:spPr>
-        <p:style>
-          <a:lnRef idx="2">
-            <a:schemeClr val="accent1">
-              <a:shade val="50000"/>
-            </a:schemeClr>
-          </a:lnRef>
-          <a:fillRef idx="1">
-            <a:schemeClr val="accent1"/>
-          </a:fillRef>
-          <a:effectRef idx="0">
-            <a:schemeClr val="accent1"/>
-          </a:effectRef>
-          <a:fontRef idx="minor">
-            <a:schemeClr val="lt1"/>
-          </a:fontRef>
-        </p:style>
-        <p:txBody>
-          <a:bodyPr rtlCol="0" anchor="ctr"/>
-          <a:lstStyle/>
-          <a:p>
-            <a:pPr algn="ctr"/>
-            <a:r>
-              <a:rPr lang="en-US" sz="1800" dirty="0" err="1"/>
-              <a:t>DbgPSHost</a:t>
-            </a:r>
-            <a:endParaRPr lang="sv-SE" sz="1800" dirty="0"/>
-          </a:p>
-        </p:txBody>
-      </p:sp>
-      <p:sp>
-        <p:nvSpPr>
-          <p:cNvPr id="8" name="Rektangel 7"/>
-          <p:cNvSpPr/>
-          <p:nvPr/>
-        </p:nvSpPr>
-        <p:spPr>
-          <a:xfrm>
-            <a:off x="601088" y="2184758"/>
-            <a:ext cx="2841281" cy="1881089"/>
-          </a:xfrm>
-          <a:prstGeom prst="rect">
-            <a:avLst/>
-          </a:prstGeom>
-          <a:solidFill>
-            <a:srgbClr val="002060"/>
-          </a:solidFill>
-        </p:spPr>
-        <p:style>
-          <a:lnRef idx="2">
-            <a:schemeClr val="accent1">
-              <a:shade val="50000"/>
-            </a:schemeClr>
-          </a:lnRef>
-          <a:fillRef idx="1">
-            <a:schemeClr val="accent1"/>
-          </a:fillRef>
-          <a:effectRef idx="0">
-            <a:schemeClr val="accent1"/>
-          </a:effectRef>
-          <a:fontRef idx="minor">
-            <a:schemeClr val="lt1"/>
-          </a:fontRef>
-        </p:style>
-        <p:txBody>
-          <a:bodyPr rtlCol="0" anchor="ctr"/>
-          <a:lstStyle/>
-          <a:p>
-            <a:pPr algn="ctr"/>
-            <a:r>
-              <a:rPr lang="en-US" sz="1800" dirty="0" err="1"/>
-              <a:t>System.Management</a:t>
-            </a:r>
-            <a:r>
-              <a:rPr lang="en-US" sz="1800" dirty="0"/>
-              <a:t>.</a:t>
-            </a:r>
-            <a:br>
-              <a:rPr lang="en-US" sz="1800" dirty="0"/>
-            </a:br>
-            <a:r>
-              <a:rPr lang="en-US" sz="1800" dirty="0"/>
-              <a:t>Automation</a:t>
-            </a:r>
-            <a:endParaRPr lang="sv-SE" sz="1800" dirty="0"/>
-          </a:p>
-        </p:txBody>
-      </p:sp>
-      <p:sp>
-        <p:nvSpPr>
-          <p:cNvPr id="9" name="Rektangel 8"/>
-          <p:cNvSpPr/>
-          <p:nvPr/>
-        </p:nvSpPr>
-        <p:spPr>
-          <a:xfrm>
-            <a:off x="3596315" y="2743672"/>
-            <a:ext cx="4896549" cy="303533"/>
-          </a:xfrm>
-          <a:prstGeom prst="rect">
-            <a:avLst/>
-          </a:prstGeom>
-          <a:solidFill>
-            <a:srgbClr val="0070C0"/>
-          </a:solidFill>
-          <a:ln>
-            <a:solidFill>
-              <a:srgbClr val="002060"/>
-            </a:solidFill>
-          </a:ln>
-        </p:spPr>
-        <p:style>
-          <a:lnRef idx="2">
-            <a:schemeClr val="accent1">
-              <a:shade val="50000"/>
-            </a:schemeClr>
-          </a:lnRef>
-          <a:fillRef idx="1">
-            <a:schemeClr val="accent1"/>
-          </a:fillRef>
-          <a:effectRef idx="0">
-            <a:schemeClr val="accent1"/>
-          </a:effectRef>
-          <a:fontRef idx="minor">
-            <a:schemeClr val="lt1"/>
-          </a:fontRef>
-        </p:style>
-        <p:txBody>
-          <a:bodyPr rtlCol="0" anchor="ctr"/>
-          <a:lstStyle/>
-          <a:p>
-            <a:pPr algn="ctr"/>
-            <a:r>
-              <a:rPr lang="en-US" sz="1800" dirty="0" err="1"/>
-              <a:t>DebuggerProxy</a:t>
-            </a:r>
-            <a:r>
-              <a:rPr lang="en-US" sz="1800" dirty="0"/>
-              <a:t> : </a:t>
-            </a:r>
-            <a:r>
-              <a:rPr lang="en-US" sz="1800" dirty="0" err="1"/>
-              <a:t>IDebugger</a:t>
-            </a:r>
-            <a:endParaRPr lang="sv-SE" sz="1800" dirty="0"/>
-          </a:p>
-        </p:txBody>
-      </p:sp>
-      <p:sp>
-        <p:nvSpPr>
-          <p:cNvPr id="10" name="Rektangel 9"/>
-          <p:cNvSpPr/>
-          <p:nvPr/>
-        </p:nvSpPr>
-        <p:spPr>
-          <a:xfrm>
-            <a:off x="3596315" y="3221572"/>
-            <a:ext cx="4896548" cy="404293"/>
-          </a:xfrm>
-          <a:prstGeom prst="rect">
-            <a:avLst/>
-          </a:prstGeom>
-          <a:solidFill>
-            <a:srgbClr val="0070C0"/>
-          </a:solidFill>
-          <a:ln>
-            <a:solidFill>
-              <a:srgbClr val="002060"/>
-            </a:solidFill>
-          </a:ln>
-        </p:spPr>
-        <p:style>
-          <a:lnRef idx="2">
-            <a:schemeClr val="accent1">
-              <a:shade val="50000"/>
-            </a:schemeClr>
-          </a:lnRef>
-          <a:fillRef idx="1">
-            <a:schemeClr val="accent1"/>
-          </a:fillRef>
-          <a:effectRef idx="0">
-            <a:schemeClr val="accent1"/>
-          </a:effectRef>
-          <a:fontRef idx="minor">
-            <a:schemeClr val="lt1"/>
-          </a:fontRef>
-        </p:style>
-        <p:txBody>
-          <a:bodyPr rtlCol="0" anchor="ctr"/>
-          <a:lstStyle/>
-          <a:p>
-            <a:pPr algn="ctr"/>
-            <a:r>
-              <a:rPr lang="en-US" sz="1800" dirty="0" err="1"/>
-              <a:t>DebuggerDispatcher</a:t>
-            </a:r>
-            <a:endParaRPr lang="sv-SE" sz="1800" dirty="0"/>
-          </a:p>
-        </p:txBody>
-      </p:sp>
-      <p:sp>
-        <p:nvSpPr>
-          <p:cNvPr id="11" name="Rektangel 10"/>
-          <p:cNvSpPr/>
-          <p:nvPr/>
-        </p:nvSpPr>
-        <p:spPr>
-          <a:xfrm>
-            <a:off x="3596315" y="3837084"/>
-            <a:ext cx="4896544" cy="979723"/>
-          </a:xfrm>
-          <a:prstGeom prst="rect">
-            <a:avLst/>
-          </a:prstGeom>
-          <a:solidFill>
-            <a:srgbClr val="0070C0"/>
-          </a:solidFill>
-          <a:ln>
-            <a:solidFill>
-              <a:srgbClr val="002060"/>
-            </a:solidFill>
-          </a:ln>
-        </p:spPr>
-        <p:style>
-          <a:lnRef idx="2">
-            <a:schemeClr val="accent1">
-              <a:shade val="50000"/>
-            </a:schemeClr>
-          </a:lnRef>
-          <a:fillRef idx="1">
-            <a:schemeClr val="accent1"/>
-          </a:fillRef>
-          <a:effectRef idx="0">
-            <a:schemeClr val="accent1"/>
-          </a:effectRef>
-          <a:fontRef idx="minor">
-            <a:schemeClr val="lt1"/>
-          </a:fontRef>
-        </p:style>
-        <p:txBody>
-          <a:bodyPr rtlCol="0" anchor="ctr"/>
-          <a:lstStyle/>
-          <a:p>
-            <a:pPr algn="ctr"/>
-            <a:r>
-              <a:rPr lang="en-US" sz="1800" dirty="0"/>
-              <a:t>Debugger : </a:t>
-            </a:r>
-            <a:r>
-              <a:rPr lang="en-US" sz="1800" dirty="0" err="1"/>
-              <a:t>IDebugger</a:t>
-            </a:r>
-            <a:br>
-              <a:rPr lang="en-US" sz="1800" dirty="0"/>
-            </a:br>
-            <a:r>
-              <a:rPr lang="en-US" sz="1800" dirty="0"/>
-              <a:t>Symbols/Threads/Breakpoints/</a:t>
-            </a:r>
-            <a:br>
-              <a:rPr lang="en-US" sz="1800" dirty="0"/>
-            </a:br>
-            <a:r>
-              <a:rPr lang="en-US" sz="1800" dirty="0"/>
-              <a:t>Modules/Variables</a:t>
-            </a:r>
-            <a:endParaRPr lang="sv-SE" sz="1800" dirty="0"/>
-          </a:p>
-        </p:txBody>
-      </p:sp>
-      <p:sp>
-        <p:nvSpPr>
-          <p:cNvPr id="12" name="Rektangel 11"/>
-          <p:cNvSpPr/>
-          <p:nvPr/>
-        </p:nvSpPr>
-        <p:spPr>
-          <a:xfrm>
-            <a:off x="3590661" y="2264549"/>
-            <a:ext cx="4896550" cy="323876"/>
-          </a:xfrm>
-          <a:prstGeom prst="rect">
-            <a:avLst/>
-          </a:prstGeom>
-          <a:solidFill>
-            <a:srgbClr val="0070C0"/>
-          </a:solidFill>
-          <a:ln>
-            <a:solidFill>
-              <a:srgbClr val="002060"/>
-            </a:solidFill>
-          </a:ln>
-        </p:spPr>
-        <p:style>
-          <a:lnRef idx="2">
-            <a:schemeClr val="accent1">
-              <a:shade val="50000"/>
-            </a:schemeClr>
-          </a:lnRef>
-          <a:fillRef idx="1">
-            <a:schemeClr val="accent1"/>
-          </a:fillRef>
-          <a:effectRef idx="0">
-            <a:schemeClr val="accent1"/>
-          </a:effectRef>
-          <a:fontRef idx="minor">
-            <a:schemeClr val="lt1"/>
-          </a:fontRef>
-        </p:style>
-        <p:txBody>
-          <a:bodyPr rtlCol="0" anchor="ctr"/>
-          <a:lstStyle/>
-          <a:p>
-            <a:pPr algn="ctr"/>
-            <a:r>
-              <a:rPr lang="en-US" sz="1800" dirty="0" err="1"/>
-              <a:t>IDebugger</a:t>
-            </a:r>
-            <a:endParaRPr lang="sv-SE" sz="1800" dirty="0"/>
-          </a:p>
-        </p:txBody>
-      </p:sp>
-      <p:sp>
-        <p:nvSpPr>
-          <p:cNvPr id="13" name="Frihandsfigur 12"/>
-          <p:cNvSpPr/>
-          <p:nvPr/>
-        </p:nvSpPr>
-        <p:spPr>
-          <a:xfrm>
-            <a:off x="566769" y="959171"/>
-            <a:ext cx="8104023" cy="820977"/>
-          </a:xfrm>
-          <a:custGeom>
-            <a:avLst/>
-            <a:gdLst>
-              <a:gd name="connsiteX0" fmla="*/ 0 w 11067908"/>
-              <a:gd name="connsiteY0" fmla="*/ 0 h 1121233"/>
-              <a:gd name="connsiteX1" fmla="*/ 5977311 w 11067908"/>
-              <a:gd name="connsiteY1" fmla="*/ 0 h 1121233"/>
-              <a:gd name="connsiteX2" fmla="*/ 6322172 w 11067908"/>
-              <a:gd name="connsiteY2" fmla="*/ 0 h 1121233"/>
-              <a:gd name="connsiteX3" fmla="*/ 11067908 w 11067908"/>
-              <a:gd name="connsiteY3" fmla="*/ 0 h 1121233"/>
-              <a:gd name="connsiteX4" fmla="*/ 11067908 w 11067908"/>
-              <a:gd name="connsiteY4" fmla="*/ 1121233 h 1121233"/>
-              <a:gd name="connsiteX5" fmla="*/ 5977311 w 11067908"/>
-              <a:gd name="connsiteY5" fmla="*/ 1121233 h 1121233"/>
-              <a:gd name="connsiteX6" fmla="*/ 5977311 w 11067908"/>
-              <a:gd name="connsiteY6" fmla="*/ 457200 h 1121233"/>
-              <a:gd name="connsiteX7" fmla="*/ 0 w 11067908"/>
-              <a:gd name="connsiteY7" fmla="*/ 457200 h 1121233"/>
-            </a:gdLst>
-            <a:ahLst/>
-            <a:cxnLst>
-              <a:cxn ang="0">
-                <a:pos x="connsiteX0" y="connsiteY0"/>
-              </a:cxn>
-              <a:cxn ang="0">
-                <a:pos x="connsiteX1" y="connsiteY1"/>
-              </a:cxn>
-              <a:cxn ang="0">
-                <a:pos x="connsiteX2" y="connsiteY2"/>
-              </a:cxn>
-              <a:cxn ang="0">
-                <a:pos x="connsiteX3" y="connsiteY3"/>
-              </a:cxn>
-              <a:cxn ang="0">
-                <a:pos x="connsiteX4" y="connsiteY4"/>
-              </a:cxn>
-              <a:cxn ang="0">
-                <a:pos x="connsiteX5" y="connsiteY5"/>
-              </a:cxn>
-              <a:cxn ang="0">
-                <a:pos x="connsiteX6" y="connsiteY6"/>
-              </a:cxn>
-              <a:cxn ang="0">
-                <a:pos x="connsiteX7" y="connsiteY7"/>
-              </a:cxn>
-            </a:cxnLst>
-            <a:rect l="l" t="t" r="r" b="b"/>
-            <a:pathLst>
-              <a:path w="11067908" h="1121233">
-                <a:moveTo>
-                  <a:pt x="0" y="0"/>
-                </a:moveTo>
-                <a:lnTo>
-                  <a:pt x="5977311" y="0"/>
-                </a:lnTo>
-                <a:lnTo>
-                  <a:pt x="6322172" y="0"/>
-                </a:lnTo>
-                <a:lnTo>
-                  <a:pt x="11067908" y="0"/>
-                </a:lnTo>
-                <a:lnTo>
-                  <a:pt x="11067908" y="1121233"/>
-                </a:lnTo>
-                <a:lnTo>
-                  <a:pt x="5977311" y="1121233"/>
-                </a:lnTo>
-                <a:lnTo>
-                  <a:pt x="5977311" y="457200"/>
-                </a:lnTo>
-                <a:lnTo>
-                  <a:pt x="0" y="457200"/>
-                </a:lnTo>
-                <a:close/>
-              </a:path>
-            </a:pathLst>
-          </a:custGeom>
-          <a:solidFill>
-            <a:srgbClr val="0070C0"/>
-          </a:solidFill>
-          <a:ln>
-            <a:solidFill>
-              <a:srgbClr val="002060"/>
-            </a:solidFill>
-          </a:ln>
-        </p:spPr>
-        <p:style>
-          <a:lnRef idx="2">
-            <a:schemeClr val="accent1">
-              <a:shade val="50000"/>
-            </a:schemeClr>
-          </a:lnRef>
-          <a:fillRef idx="1">
-            <a:schemeClr val="accent1"/>
-          </a:fillRef>
-          <a:effectRef idx="0">
-            <a:schemeClr val="accent1"/>
-          </a:effectRef>
-          <a:fontRef idx="minor">
-            <a:schemeClr val="lt1"/>
-          </a:fontRef>
-        </p:style>
-        <p:txBody>
-          <a:bodyPr rtlCol="0" anchor="t"/>
-          <a:lstStyle/>
-          <a:p>
-            <a:pPr algn="ctr"/>
-            <a:r>
-              <a:rPr lang="sv-SE" sz="1800" dirty="0" err="1"/>
-              <a:t>DbgCmdlets</a:t>
-            </a:r>
-            <a:endParaRPr lang="sv-SE" sz="1800" dirty="0"/>
-          </a:p>
-        </p:txBody>
-      </p:sp>
-    </p:spTree>
-    <p:extLst>
-      <p:ext uri="{BB962C8B-B14F-4D97-AF65-F5344CB8AC3E}">
-        <p14:creationId xmlns:p14="http://schemas.microsoft.com/office/powerpoint/2010/main" val="1768496240"/>
       </p:ext>
     </p:extLst>
   </p:cSld>

--- a/Dbg/Hosting PowerShell in a Debugger.pptx
+++ b/Dbg/Hosting PowerShell in a Debugger.pptx
@@ -8243,9 +8243,22 @@
           <a:p>
             <a:pPr lvl="1"/>
             <a:r>
-              <a:rPr lang="sv-SE" sz="1200" dirty="0"/>
+              <a:rPr lang="sv-SE" sz="1200" dirty="0">
+                <a:hlinkClick r:id="rId3"/>
+              </a:rPr>
               <a:t>https://code.msdn.microsoft.com/windowsapps/Windows-PowerShell-30-SDK-9a34641d</a:t>
             </a:r>
+            <a:endParaRPr lang="sv-SE" sz="1200" dirty="0"/>
+          </a:p>
+          <a:p>
+            <a:r>
+              <a:rPr lang="de-DE" dirty="0"/>
+              <a:t>https://github.com/powercode/PSExt</a:t>
+            </a:r>
+          </a:p>
+          <a:p>
+            <a:pPr lvl="1"/>
+            <a:endParaRPr lang="sv-SE" sz="1200" dirty="0"/>
           </a:p>
         </p:txBody>
       </p:sp>
